--- a/show/分享.pptx
+++ b/show/分享.pptx
@@ -14,36 +14,37 @@
     <p:sldId id="382" r:id="rId7"/>
     <p:sldId id="329" r:id="rId8"/>
     <p:sldId id="292" r:id="rId9"/>
-    <p:sldId id="410" r:id="rId10"/>
-    <p:sldId id="416" r:id="rId11"/>
-    <p:sldId id="413" r:id="rId12"/>
-    <p:sldId id="417" r:id="rId13"/>
-    <p:sldId id="415" r:id="rId14"/>
-    <p:sldId id="418" r:id="rId15"/>
-    <p:sldId id="349" r:id="rId16"/>
+    <p:sldId id="416" r:id="rId10"/>
+    <p:sldId id="410" r:id="rId11"/>
+    <p:sldId id="417" r:id="rId12"/>
+    <p:sldId id="413" r:id="rId13"/>
+    <p:sldId id="418" r:id="rId14"/>
+    <p:sldId id="415" r:id="rId15"/>
+    <p:sldId id="422" r:id="rId16"/>
+    <p:sldId id="349" r:id="rId17"/>
   </p:sldIdLst>
   <p:sldSz cx="9144000" cy="5143500"/>
   <p:notesSz cx="6858000" cy="9144000"/>
   <p:embeddedFontLst>
     <p:embeddedFont>
       <p:font typeface="方正兰亭细黑_GBK" pitchFamily="2" charset="-122"/>
-      <p:regular r:id="rId20"/>
+      <p:regular r:id="rId21"/>
     </p:embeddedFont>
     <p:embeddedFont>
       <p:font typeface="方正兰亭黑简体" pitchFamily="2" charset="-122"/>
-      <p:regular r:id="rId21"/>
+      <p:regular r:id="rId22"/>
     </p:embeddedFont>
     <p:embeddedFont>
       <p:font typeface="Calibri" pitchFamily="34" charset="0"/>
-      <p:regular r:id="rId22"/>
+      <p:regular r:id="rId23"/>
     </p:embeddedFont>
     <p:embeddedFont>
       <p:font typeface="Segoe UI Semilight" pitchFamily="34" charset="0"/>
-      <p:regular r:id="rId23"/>
+      <p:regular r:id="rId24"/>
     </p:embeddedFont>
     <p:embeddedFont>
       <p:font typeface="方正兰亭细黑_GBK" charset="0"/>
-      <p:regular r:id="rId24"/>
+      <p:regular r:id="rId25"/>
     </p:embeddedFont>
   </p:embeddedFontLst>
   <p:defaultTextStyle>
@@ -3499,6 +3500,30 @@
       <p:grpSpPr/>
       <p:pic>
         <p:nvPicPr>
+          <p:cNvPr id="4" name="图片 3" descr="hotswap执行过程"/>
+          <p:cNvPicPr>
+            <a:picLocks noChangeAspect="1"/>
+          </p:cNvPicPr>
+          <p:nvPr/>
+        </p:nvPicPr>
+        <p:blipFill>
+          <a:blip r:embed="rId1"/>
+          <a:stretch>
+            <a:fillRect/>
+          </a:stretch>
+        </p:blipFill>
+        <p:spPr>
+          <a:xfrm>
+            <a:off x="1714500" y="967105"/>
+            <a:ext cx="5714365" cy="3209290"/>
+          </a:xfrm>
+          <a:prstGeom prst="rect">
+            <a:avLst/>
+          </a:prstGeom>
+        </p:spPr>
+      </p:pic>
+      <p:pic>
+        <p:nvPicPr>
           <p:cNvPr id="2" name="图片 30"/>
           <p:cNvPicPr>
             <a:picLocks noChangeAspect="1"/>
@@ -3506,7 +3531,7 @@
           <p:nvPr/>
         </p:nvPicPr>
         <p:blipFill>
-          <a:blip r:embed="rId1"/>
+          <a:blip r:embed="rId2"/>
           <a:stretch>
             <a:fillRect/>
           </a:stretch>
@@ -3597,739 +3622,6 @@
           </a:p>
         </p:txBody>
       </p:sp>
-      <p:sp>
-        <p:nvSpPr>
-          <p:cNvPr id="5" name="矩形 13"/>
-          <p:cNvSpPr>
-            <a:spLocks noChangeArrowheads="1"/>
-          </p:cNvSpPr>
-          <p:nvPr/>
-        </p:nvSpPr>
-        <p:spPr bwMode="auto">
-          <a:xfrm>
-            <a:off x="1398905" y="644525"/>
-            <a:ext cx="4455160" cy="411480"/>
-          </a:xfrm>
-          <a:prstGeom prst="rect">
-            <a:avLst/>
-          </a:prstGeom>
-          <a:noFill/>
-          <a:ln>
-            <a:noFill/>
-          </a:ln>
-          <a:extLst>
-            <a:ext uri="{909E8E84-426E-40DD-AFC4-6F175D3DCCD1}">
-              <a14:hiddenFill xmlns:a14="http://schemas.microsoft.com/office/drawing/2010/main">
-                <a:solidFill>
-                  <a:srgbClr val="FFFFFF"/>
-                </a:solidFill>
-              </a14:hiddenFill>
-            </a:ext>
-            <a:ext uri="{91240B29-F687-4F45-9708-019B960494DF}">
-              <a14:hiddenLine xmlns:a14="http://schemas.microsoft.com/office/drawing/2010/main" w="9525">
-                <a:solidFill>
-                  <a:srgbClr val="000000"/>
-                </a:solidFill>
-                <a:miter lim="800000"/>
-                <a:headEnd/>
-                <a:tailEnd/>
-              </a14:hiddenLine>
-            </a:ext>
-          </a:extLst>
-        </p:spPr>
-        <p:txBody>
-          <a:bodyPr wrap="square">
-            <a:spAutoFit/>
-          </a:bodyPr>
-          <a:p>
-            <a:pPr marL="0" marR="0" lvl="0" indent="0" algn="ctr" defTabSz="683895" rtl="0" eaLnBrk="1" fontAlgn="auto" latinLnBrk="0" hangingPunct="1">
-              <a:lnSpc>
-                <a:spcPct val="150000"/>
-              </a:lnSpc>
-              <a:spcBef>
-                <a:spcPts val="0"/>
-              </a:spcBef>
-              <a:spcAft>
-                <a:spcPts val="0"/>
-              </a:spcAft>
-              <a:buClrTx/>
-              <a:buSzTx/>
-              <a:buFontTx/>
-              <a:buNone/>
-              <a:defRPr/>
-            </a:pPr>
-            <a:r>
-              <a:rPr kumimoji="0" sz="1400" b="0" i="0" u="none" strike="noStrike" kern="1200" cap="none" spc="0" normalizeH="0" baseline="0" noProof="0" dirty="0">
-                <a:ln>
-                  <a:noFill/>
-                </a:ln>
-                <a:solidFill>
-                  <a:schemeClr val="bg1"/>
-                </a:solidFill>
-                <a:effectLst/>
-                <a:uLnTx/>
-                <a:uFillTx/>
-                <a:latin typeface="+mn-ea"/>
-                <a:ea typeface="+mn-ea"/>
-                <a:cs typeface="+mn-cs"/>
-                <a:sym typeface="Arial" pitchFamily="34" charset="0"/>
-              </a:rPr>
-              <a:t>1.获取更改后资源resource.ap_的路径</a:t>
-            </a:r>
-            <a:endParaRPr kumimoji="0" sz="1400" b="0" i="0" u="none" strike="noStrike" kern="1200" cap="none" spc="0" normalizeH="0" baseline="0" noProof="0" dirty="0">
-              <a:ln>
-                <a:noFill/>
-              </a:ln>
-              <a:solidFill>
-                <a:schemeClr val="bg1"/>
-              </a:solidFill>
-              <a:effectLst/>
-              <a:uLnTx/>
-              <a:uFillTx/>
-              <a:latin typeface="+mn-ea"/>
-              <a:ea typeface="+mn-ea"/>
-              <a:cs typeface="+mn-cs"/>
-              <a:sym typeface="Arial" pitchFamily="34" charset="0"/>
-            </a:endParaRPr>
-          </a:p>
-        </p:txBody>
-      </p:sp>
-      <p:sp>
-        <p:nvSpPr>
-          <p:cNvPr id="4" name="矩形 13"/>
-          <p:cNvSpPr>
-            <a:spLocks noChangeArrowheads="1"/>
-          </p:cNvSpPr>
-          <p:nvPr/>
-        </p:nvSpPr>
-        <p:spPr bwMode="auto">
-          <a:xfrm>
-            <a:off x="-170815" y="1141730"/>
-            <a:ext cx="6159500" cy="411480"/>
-          </a:xfrm>
-          <a:prstGeom prst="rect">
-            <a:avLst/>
-          </a:prstGeom>
-          <a:noFill/>
-          <a:ln>
-            <a:noFill/>
-          </a:ln>
-          <a:extLst>
-            <a:ext uri="{909E8E84-426E-40DD-AFC4-6F175D3DCCD1}">
-              <a14:hiddenFill xmlns:a14="http://schemas.microsoft.com/office/drawing/2010/main">
-                <a:solidFill>
-                  <a:srgbClr val="FFFFFF"/>
-                </a:solidFill>
-              </a14:hiddenFill>
-            </a:ext>
-            <a:ext uri="{91240B29-F687-4F45-9708-019B960494DF}">
-              <a14:hiddenLine xmlns:a14="http://schemas.microsoft.com/office/drawing/2010/main" w="9525">
-                <a:solidFill>
-                  <a:srgbClr val="000000"/>
-                </a:solidFill>
-                <a:miter lim="800000"/>
-                <a:headEnd/>
-                <a:tailEnd/>
-              </a14:hiddenLine>
-            </a:ext>
-          </a:extLst>
-        </p:spPr>
-        <p:txBody>
-          <a:bodyPr wrap="square">
-            <a:spAutoFit/>
-          </a:bodyPr>
-          <a:p>
-            <a:pPr marL="0" marR="0" lvl="0" indent="0" algn="ctr" defTabSz="683895" rtl="0" eaLnBrk="1" fontAlgn="auto" latinLnBrk="0" hangingPunct="1">
-              <a:lnSpc>
-                <a:spcPct val="150000"/>
-              </a:lnSpc>
-              <a:spcBef>
-                <a:spcPts val="0"/>
-              </a:spcBef>
-              <a:spcAft>
-                <a:spcPts val="0"/>
-              </a:spcAft>
-              <a:buClrTx/>
-              <a:buSzTx/>
-              <a:buFontTx/>
-              <a:buNone/>
-              <a:defRPr/>
-            </a:pPr>
-            <a:r>
-              <a:rPr kumimoji="0" lang="en-US" sz="1400" b="0" i="0" u="none" strike="noStrike" kern="1200" cap="none" spc="0" normalizeH="0" baseline="0" noProof="0" dirty="0">
-                <a:ln>
-                  <a:noFill/>
-                </a:ln>
-                <a:solidFill>
-                  <a:schemeClr val="bg1"/>
-                </a:solidFill>
-                <a:effectLst/>
-                <a:uLnTx/>
-                <a:uFillTx/>
-                <a:latin typeface="+mn-ea"/>
-                <a:ea typeface="+mn-ea"/>
-                <a:cs typeface="+mn-cs"/>
-                <a:sym typeface="Arial" pitchFamily="34" charset="0"/>
-              </a:rPr>
-              <a:t>2.</a:t>
-            </a:r>
-            <a:r>
-              <a:rPr kumimoji="0" sz="1400" b="0" i="0" u="none" strike="noStrike" kern="1200" cap="none" spc="0" normalizeH="0" baseline="0" noProof="0" dirty="0">
-                <a:ln>
-                  <a:noFill/>
-                </a:ln>
-                <a:solidFill>
-                  <a:schemeClr val="bg1"/>
-                </a:solidFill>
-                <a:effectLst/>
-                <a:uLnTx/>
-                <a:uFillTx/>
-                <a:latin typeface="+mn-ea"/>
-                <a:ea typeface="+mn-ea"/>
-                <a:cs typeface="+mn-cs"/>
-                <a:sym typeface="Arial" pitchFamily="34" charset="0"/>
-              </a:rPr>
-              <a:t>设置ClassLoader</a:t>
-            </a:r>
-            <a:endParaRPr kumimoji="0" sz="1400" b="0" i="0" u="none" strike="noStrike" kern="1200" cap="none" spc="0" normalizeH="0" baseline="0" noProof="0" dirty="0">
-              <a:ln>
-                <a:noFill/>
-              </a:ln>
-              <a:solidFill>
-                <a:schemeClr val="bg1"/>
-              </a:solidFill>
-              <a:effectLst/>
-              <a:uLnTx/>
-              <a:uFillTx/>
-              <a:latin typeface="+mn-ea"/>
-              <a:ea typeface="+mn-ea"/>
-              <a:cs typeface="+mn-cs"/>
-              <a:sym typeface="Arial" pitchFamily="34" charset="0"/>
-            </a:endParaRPr>
-          </a:p>
-        </p:txBody>
-      </p:sp>
-      <p:sp>
-        <p:nvSpPr>
-          <p:cNvPr id="6" name="矩形 13"/>
-          <p:cNvSpPr>
-            <a:spLocks noChangeArrowheads="1"/>
-          </p:cNvSpPr>
-          <p:nvPr/>
-        </p:nvSpPr>
-        <p:spPr bwMode="auto">
-          <a:xfrm>
-            <a:off x="144780" y="1616710"/>
-            <a:ext cx="6159500" cy="411480"/>
-          </a:xfrm>
-          <a:prstGeom prst="rect">
-            <a:avLst/>
-          </a:prstGeom>
-          <a:noFill/>
-          <a:ln>
-            <a:noFill/>
-          </a:ln>
-          <a:extLst>
-            <a:ext uri="{909E8E84-426E-40DD-AFC4-6F175D3DCCD1}">
-              <a14:hiddenFill xmlns:a14="http://schemas.microsoft.com/office/drawing/2010/main">
-                <a:solidFill>
-                  <a:srgbClr val="FFFFFF"/>
-                </a:solidFill>
-              </a14:hiddenFill>
-            </a:ext>
-            <a:ext uri="{91240B29-F687-4F45-9708-019B960494DF}">
-              <a14:hiddenLine xmlns:a14="http://schemas.microsoft.com/office/drawing/2010/main" w="9525">
-                <a:solidFill>
-                  <a:srgbClr val="000000"/>
-                </a:solidFill>
-                <a:miter lim="800000"/>
-                <a:headEnd/>
-                <a:tailEnd/>
-              </a14:hiddenLine>
-            </a:ext>
-          </a:extLst>
-        </p:spPr>
-        <p:txBody>
-          <a:bodyPr wrap="square">
-            <a:spAutoFit/>
-          </a:bodyPr>
-          <a:p>
-            <a:pPr marL="0" marR="0" lvl="0" indent="0" algn="ctr" defTabSz="683895" rtl="0" eaLnBrk="1" fontAlgn="auto" latinLnBrk="0" hangingPunct="1">
-              <a:lnSpc>
-                <a:spcPct val="150000"/>
-              </a:lnSpc>
-              <a:spcBef>
-                <a:spcPts val="0"/>
-              </a:spcBef>
-              <a:spcAft>
-                <a:spcPts val="0"/>
-              </a:spcAft>
-              <a:buClrTx/>
-              <a:buSzTx/>
-              <a:buFontTx/>
-              <a:buNone/>
-              <a:defRPr/>
-            </a:pPr>
-            <a:r>
-              <a:rPr kumimoji="0" lang="en-US" sz="1400" b="0" i="0" u="none" strike="noStrike" kern="1200" cap="none" spc="0" normalizeH="0" baseline="0" noProof="0" dirty="0">
-                <a:ln>
-                  <a:noFill/>
-                </a:ln>
-                <a:solidFill>
-                  <a:schemeClr val="bg1"/>
-                </a:solidFill>
-                <a:effectLst/>
-                <a:uLnTx/>
-                <a:uFillTx/>
-                <a:latin typeface="+mn-ea"/>
-                <a:ea typeface="+mn-ea"/>
-                <a:cs typeface="+mn-cs"/>
-                <a:sym typeface="Arial" pitchFamily="34" charset="0"/>
-              </a:rPr>
-              <a:t>3.</a:t>
-            </a:r>
-            <a:r>
-              <a:rPr kumimoji="0" sz="1400" b="0" i="0" u="none" strike="noStrike" kern="1200" cap="none" spc="0" normalizeH="0" baseline="0" noProof="0" dirty="0">
-                <a:ln>
-                  <a:noFill/>
-                </a:ln>
-                <a:solidFill>
-                  <a:schemeClr val="bg1"/>
-                </a:solidFill>
-                <a:effectLst/>
-                <a:uLnTx/>
-                <a:uFillTx/>
-                <a:latin typeface="+mn-ea"/>
-                <a:ea typeface="+mn-ea"/>
-                <a:cs typeface="+mn-cs"/>
-                <a:sym typeface="Arial" pitchFamily="34" charset="0"/>
-              </a:rPr>
-              <a:t>创建apk真实的application</a:t>
-            </a:r>
-            <a:endParaRPr kumimoji="0" sz="1400" b="0" i="0" u="none" strike="noStrike" kern="1200" cap="none" spc="0" normalizeH="0" baseline="0" noProof="0" dirty="0">
-              <a:ln>
-                <a:noFill/>
-              </a:ln>
-              <a:solidFill>
-                <a:schemeClr val="bg1"/>
-              </a:solidFill>
-              <a:effectLst/>
-              <a:uLnTx/>
-              <a:uFillTx/>
-              <a:latin typeface="+mn-ea"/>
-              <a:ea typeface="+mn-ea"/>
-              <a:cs typeface="+mn-cs"/>
-              <a:sym typeface="Arial" pitchFamily="34" charset="0"/>
-            </a:endParaRPr>
-          </a:p>
-        </p:txBody>
-      </p:sp>
-      <p:sp>
-        <p:nvSpPr>
-          <p:cNvPr id="7" name="矩形 13"/>
-          <p:cNvSpPr>
-            <a:spLocks noChangeArrowheads="1"/>
-          </p:cNvSpPr>
-          <p:nvPr/>
-        </p:nvSpPr>
-        <p:spPr bwMode="auto">
-          <a:xfrm>
-            <a:off x="1214755" y="2141855"/>
-            <a:ext cx="6159500" cy="411480"/>
-          </a:xfrm>
-          <a:prstGeom prst="rect">
-            <a:avLst/>
-          </a:prstGeom>
-          <a:noFill/>
-          <a:ln>
-            <a:noFill/>
-          </a:ln>
-          <a:extLst>
-            <a:ext uri="{909E8E84-426E-40DD-AFC4-6F175D3DCCD1}">
-              <a14:hiddenFill xmlns:a14="http://schemas.microsoft.com/office/drawing/2010/main">
-                <a:solidFill>
-                  <a:srgbClr val="FFFFFF"/>
-                </a:solidFill>
-              </a14:hiddenFill>
-            </a:ext>
-            <a:ext uri="{91240B29-F687-4F45-9708-019B960494DF}">
-              <a14:hiddenLine xmlns:a14="http://schemas.microsoft.com/office/drawing/2010/main" w="9525">
-                <a:solidFill>
-                  <a:srgbClr val="000000"/>
-                </a:solidFill>
-                <a:miter lim="800000"/>
-                <a:headEnd/>
-                <a:tailEnd/>
-              </a14:hiddenLine>
-            </a:ext>
-          </a:extLst>
-        </p:spPr>
-        <p:txBody>
-          <a:bodyPr wrap="square">
-            <a:spAutoFit/>
-          </a:bodyPr>
-          <a:p>
-            <a:pPr marL="0" marR="0" lvl="0" indent="0" algn="ctr" defTabSz="683895" rtl="0" eaLnBrk="1" fontAlgn="auto" latinLnBrk="0" hangingPunct="1">
-              <a:lnSpc>
-                <a:spcPct val="150000"/>
-              </a:lnSpc>
-              <a:spcBef>
-                <a:spcPts val="0"/>
-              </a:spcBef>
-              <a:spcAft>
-                <a:spcPts val="0"/>
-              </a:spcAft>
-              <a:buClrTx/>
-              <a:buSzTx/>
-              <a:buFontTx/>
-              <a:buNone/>
-              <a:defRPr/>
-            </a:pPr>
-            <a:r>
-              <a:rPr kumimoji="0" lang="en-US" sz="1400" b="0" i="0" u="none" strike="noStrike" kern="1200" cap="none" spc="0" normalizeH="0" baseline="0" noProof="0" dirty="0">
-                <a:ln>
-                  <a:noFill/>
-                </a:ln>
-                <a:solidFill>
-                  <a:schemeClr val="bg1"/>
-                </a:solidFill>
-                <a:effectLst/>
-                <a:uLnTx/>
-                <a:uFillTx/>
-                <a:latin typeface="+mn-ea"/>
-                <a:ea typeface="+mn-ea"/>
-                <a:cs typeface="+mn-cs"/>
-                <a:sym typeface="Arial" pitchFamily="34" charset="0"/>
-              </a:rPr>
-              <a:t>4.</a:t>
-            </a:r>
-            <a:r>
-              <a:rPr kumimoji="0" sz="1400" b="0" i="0" u="none" strike="noStrike" kern="1200" cap="none" spc="0" normalizeH="0" baseline="0" noProof="0" dirty="0">
-                <a:ln>
-                  <a:noFill/>
-                </a:ln>
-                <a:solidFill>
-                  <a:schemeClr val="bg1"/>
-                </a:solidFill>
-                <a:effectLst/>
-                <a:uLnTx/>
-                <a:uFillTx/>
-                <a:latin typeface="+mn-ea"/>
-                <a:ea typeface="+mn-ea"/>
-                <a:cs typeface="+mn-cs"/>
-                <a:sym typeface="Arial" pitchFamily="34" charset="0"/>
-              </a:rPr>
-              <a:t>反射替换ActivityThread中的各种Application成员变量</a:t>
-            </a:r>
-            <a:endParaRPr kumimoji="0" sz="1400" b="0" i="0" u="none" strike="noStrike" kern="1200" cap="none" spc="0" normalizeH="0" baseline="0" noProof="0" dirty="0">
-              <a:ln>
-                <a:noFill/>
-              </a:ln>
-              <a:solidFill>
-                <a:schemeClr val="bg1"/>
-              </a:solidFill>
-              <a:effectLst/>
-              <a:uLnTx/>
-              <a:uFillTx/>
-              <a:latin typeface="+mn-ea"/>
-              <a:ea typeface="+mn-ea"/>
-              <a:cs typeface="+mn-cs"/>
-              <a:sym typeface="Arial" pitchFamily="34" charset="0"/>
-            </a:endParaRPr>
-          </a:p>
-        </p:txBody>
-      </p:sp>
-      <p:sp>
-        <p:nvSpPr>
-          <p:cNvPr id="8" name="矩形 13"/>
-          <p:cNvSpPr>
-            <a:spLocks noChangeArrowheads="1"/>
-          </p:cNvSpPr>
-          <p:nvPr/>
-        </p:nvSpPr>
-        <p:spPr bwMode="auto">
-          <a:xfrm>
-            <a:off x="653415" y="2668905"/>
-            <a:ext cx="6159500" cy="411480"/>
-          </a:xfrm>
-          <a:prstGeom prst="rect">
-            <a:avLst/>
-          </a:prstGeom>
-          <a:noFill/>
-          <a:ln>
-            <a:noFill/>
-          </a:ln>
-          <a:extLst>
-            <a:ext uri="{909E8E84-426E-40DD-AFC4-6F175D3DCCD1}">
-              <a14:hiddenFill xmlns:a14="http://schemas.microsoft.com/office/drawing/2010/main">
-                <a:solidFill>
-                  <a:srgbClr val="FFFFFF"/>
-                </a:solidFill>
-              </a14:hiddenFill>
-            </a:ext>
-            <a:ext uri="{91240B29-F687-4F45-9708-019B960494DF}">
-              <a14:hiddenLine xmlns:a14="http://schemas.microsoft.com/office/drawing/2010/main" w="9525">
-                <a:solidFill>
-                  <a:srgbClr val="000000"/>
-                </a:solidFill>
-                <a:miter lim="800000"/>
-                <a:headEnd/>
-                <a:tailEnd/>
-              </a14:hiddenLine>
-            </a:ext>
-          </a:extLst>
-        </p:spPr>
-        <p:txBody>
-          <a:bodyPr wrap="square">
-            <a:spAutoFit/>
-          </a:bodyPr>
-          <a:p>
-            <a:pPr marL="0" marR="0" lvl="0" indent="0" algn="ctr" defTabSz="683895" rtl="0" eaLnBrk="1" fontAlgn="auto" latinLnBrk="0" hangingPunct="1">
-              <a:lnSpc>
-                <a:spcPct val="150000"/>
-              </a:lnSpc>
-              <a:spcBef>
-                <a:spcPts val="0"/>
-              </a:spcBef>
-              <a:spcAft>
-                <a:spcPts val="0"/>
-              </a:spcAft>
-              <a:buClrTx/>
-              <a:buSzTx/>
-              <a:buFontTx/>
-              <a:buNone/>
-              <a:defRPr/>
-            </a:pPr>
-            <a:r>
-              <a:rPr kumimoji="0" lang="en-US" sz="1400" b="0" i="0" u="none" strike="noStrike" kern="1200" cap="none" spc="0" normalizeH="0" baseline="0" noProof="0" dirty="0">
-                <a:ln>
-                  <a:noFill/>
-                </a:ln>
-                <a:solidFill>
-                  <a:schemeClr val="bg1"/>
-                </a:solidFill>
-                <a:effectLst/>
-                <a:uLnTx/>
-                <a:uFillTx/>
-                <a:latin typeface="+mn-ea"/>
-                <a:ea typeface="+mn-ea"/>
-                <a:cs typeface="+mn-cs"/>
-                <a:sym typeface="Arial" pitchFamily="34" charset="0"/>
-              </a:rPr>
-              <a:t>5.反射替换所有存在的AssetManager对象</a:t>
-            </a:r>
-            <a:endParaRPr kumimoji="0" lang="en-US" sz="1400" b="0" i="0" u="none" strike="noStrike" kern="1200" cap="none" spc="0" normalizeH="0" baseline="0" noProof="0" dirty="0">
-              <a:ln>
-                <a:noFill/>
-              </a:ln>
-              <a:solidFill>
-                <a:schemeClr val="bg1"/>
-              </a:solidFill>
-              <a:effectLst/>
-              <a:uLnTx/>
-              <a:uFillTx/>
-              <a:latin typeface="+mn-ea"/>
-              <a:ea typeface="+mn-ea"/>
-              <a:cs typeface="+mn-cs"/>
-              <a:sym typeface="Arial" pitchFamily="34" charset="0"/>
-            </a:endParaRPr>
-          </a:p>
-        </p:txBody>
-      </p:sp>
-      <p:sp>
-        <p:nvSpPr>
-          <p:cNvPr id="9" name="矩形 13"/>
-          <p:cNvSpPr>
-            <a:spLocks noChangeArrowheads="1"/>
-          </p:cNvSpPr>
-          <p:nvPr/>
-        </p:nvSpPr>
-        <p:spPr bwMode="auto">
-          <a:xfrm>
-            <a:off x="500380" y="3291840"/>
-            <a:ext cx="6159500" cy="411480"/>
-          </a:xfrm>
-          <a:prstGeom prst="rect">
-            <a:avLst/>
-          </a:prstGeom>
-          <a:noFill/>
-          <a:ln>
-            <a:noFill/>
-          </a:ln>
-          <a:extLst>
-            <a:ext uri="{909E8E84-426E-40DD-AFC4-6F175D3DCCD1}">
-              <a14:hiddenFill xmlns:a14="http://schemas.microsoft.com/office/drawing/2010/main">
-                <a:solidFill>
-                  <a:srgbClr val="FFFFFF"/>
-                </a:solidFill>
-              </a14:hiddenFill>
-            </a:ext>
-            <a:ext uri="{91240B29-F687-4F45-9708-019B960494DF}">
-              <a14:hiddenLine xmlns:a14="http://schemas.microsoft.com/office/drawing/2010/main" w="9525">
-                <a:solidFill>
-                  <a:srgbClr val="000000"/>
-                </a:solidFill>
-                <a:miter lim="800000"/>
-                <a:headEnd/>
-                <a:tailEnd/>
-              </a14:hiddenLine>
-            </a:ext>
-          </a:extLst>
-        </p:spPr>
-        <p:txBody>
-          <a:bodyPr wrap="square">
-            <a:spAutoFit/>
-          </a:bodyPr>
-          <a:p>
-            <a:pPr marL="0" marR="0" lvl="0" indent="0" algn="ctr" defTabSz="683895" rtl="0" eaLnBrk="1" fontAlgn="auto" latinLnBrk="0" hangingPunct="1">
-              <a:lnSpc>
-                <a:spcPct val="150000"/>
-              </a:lnSpc>
-              <a:spcBef>
-                <a:spcPts val="0"/>
-              </a:spcBef>
-              <a:spcAft>
-                <a:spcPts val="0"/>
-              </a:spcAft>
-              <a:buClrTx/>
-              <a:buSzTx/>
-              <a:buFontTx/>
-              <a:buNone/>
-              <a:defRPr/>
-            </a:pPr>
-            <a:r>
-              <a:rPr kumimoji="0" lang="en-US" sz="1400" b="0" i="0" u="none" strike="noStrike" kern="1200" cap="none" spc="0" normalizeH="0" baseline="0" noProof="0" dirty="0">
-                <a:ln>
-                  <a:noFill/>
-                </a:ln>
-                <a:solidFill>
-                  <a:schemeClr val="bg1"/>
-                </a:solidFill>
-                <a:effectLst/>
-                <a:uLnTx/>
-                <a:uFillTx/>
-                <a:latin typeface="+mn-ea"/>
-                <a:ea typeface="+mn-ea"/>
-                <a:cs typeface="+mn-cs"/>
-                <a:sym typeface="Arial" pitchFamily="34" charset="0"/>
-              </a:rPr>
-              <a:t>6.调用realApplication的onCreate方法</a:t>
-            </a:r>
-            <a:endParaRPr kumimoji="0" lang="en-US" sz="1400" b="0" i="0" u="none" strike="noStrike" kern="1200" cap="none" spc="0" normalizeH="0" baseline="0" noProof="0" dirty="0">
-              <a:ln>
-                <a:noFill/>
-              </a:ln>
-              <a:solidFill>
-                <a:schemeClr val="bg1"/>
-              </a:solidFill>
-              <a:effectLst/>
-              <a:uLnTx/>
-              <a:uFillTx/>
-              <a:latin typeface="+mn-ea"/>
-              <a:ea typeface="+mn-ea"/>
-              <a:cs typeface="+mn-cs"/>
-              <a:sym typeface="Arial" pitchFamily="34" charset="0"/>
-            </a:endParaRPr>
-          </a:p>
-        </p:txBody>
-      </p:sp>
-      <p:sp>
-        <p:nvSpPr>
-          <p:cNvPr id="10" name="矩形 13"/>
-          <p:cNvSpPr>
-            <a:spLocks noChangeArrowheads="1"/>
-          </p:cNvSpPr>
-          <p:nvPr/>
-        </p:nvSpPr>
-        <p:spPr bwMode="auto">
-          <a:xfrm>
-            <a:off x="468630" y="3948430"/>
-            <a:ext cx="6159500" cy="411480"/>
-          </a:xfrm>
-          <a:prstGeom prst="rect">
-            <a:avLst/>
-          </a:prstGeom>
-          <a:noFill/>
-          <a:ln>
-            <a:noFill/>
-          </a:ln>
-          <a:extLst>
-            <a:ext uri="{909E8E84-426E-40DD-AFC4-6F175D3DCCD1}">
-              <a14:hiddenFill xmlns:a14="http://schemas.microsoft.com/office/drawing/2010/main">
-                <a:solidFill>
-                  <a:srgbClr val="FFFFFF"/>
-                </a:solidFill>
-              </a14:hiddenFill>
-            </a:ext>
-            <a:ext uri="{91240B29-F687-4F45-9708-019B960494DF}">
-              <a14:hiddenLine xmlns:a14="http://schemas.microsoft.com/office/drawing/2010/main" w="9525">
-                <a:solidFill>
-                  <a:srgbClr val="000000"/>
-                </a:solidFill>
-                <a:miter lim="800000"/>
-                <a:headEnd/>
-                <a:tailEnd/>
-              </a14:hiddenLine>
-            </a:ext>
-          </a:extLst>
-        </p:spPr>
-        <p:txBody>
-          <a:bodyPr wrap="square">
-            <a:spAutoFit/>
-          </a:bodyPr>
-          <a:p>
-            <a:pPr marL="0" marR="0" lvl="0" indent="0" algn="ctr" defTabSz="683895" rtl="0" eaLnBrk="1" fontAlgn="auto" latinLnBrk="0" hangingPunct="1">
-              <a:lnSpc>
-                <a:spcPct val="150000"/>
-              </a:lnSpc>
-              <a:spcBef>
-                <a:spcPts val="0"/>
-              </a:spcBef>
-              <a:spcAft>
-                <a:spcPts val="0"/>
-              </a:spcAft>
-              <a:buClrTx/>
-              <a:buSzTx/>
-              <a:buFontTx/>
-              <a:buNone/>
-              <a:defRPr/>
-            </a:pPr>
-            <a:r>
-              <a:rPr kumimoji="0" lang="en-US" sz="1400" b="0" i="0" u="none" strike="noStrike" kern="1200" cap="none" spc="0" normalizeH="0" baseline="0" noProof="0" dirty="0">
-                <a:ln>
-                  <a:noFill/>
-                </a:ln>
-                <a:solidFill>
-                  <a:schemeClr val="bg1"/>
-                </a:solidFill>
-                <a:effectLst/>
-                <a:uLnTx/>
-                <a:uFillTx/>
-                <a:latin typeface="+mn-ea"/>
-                <a:ea typeface="+mn-ea"/>
-                <a:cs typeface="+mn-cs"/>
-                <a:sym typeface="Arial" pitchFamily="34" charset="0"/>
-              </a:rPr>
-              <a:t>7.启动Server，Socket接收patch列表</a:t>
-            </a:r>
-            <a:endParaRPr kumimoji="0" lang="en-US" sz="1400" b="0" i="0" u="none" strike="noStrike" kern="1200" cap="none" spc="0" normalizeH="0" baseline="0" noProof="0" dirty="0">
-              <a:ln>
-                <a:noFill/>
-              </a:ln>
-              <a:solidFill>
-                <a:schemeClr val="bg1"/>
-              </a:solidFill>
-              <a:effectLst/>
-              <a:uLnTx/>
-              <a:uFillTx/>
-              <a:latin typeface="+mn-ea"/>
-              <a:ea typeface="+mn-ea"/>
-              <a:cs typeface="+mn-cs"/>
-              <a:sym typeface="Arial" pitchFamily="34" charset="0"/>
-            </a:endParaRPr>
-          </a:p>
-        </p:txBody>
-      </p:sp>
     </p:spTree>
   </p:cSld>
   <p:clrMapOvr>
@@ -4351,160 +3643,6 @@
 </file>
 
 <file path=ppt/slides/slide11.xml><?xml version="1.0" encoding="utf-8"?>
-<p:sld xmlns:a="http://schemas.openxmlformats.org/drawingml/2006/main" xmlns:r="http://schemas.openxmlformats.org/officeDocument/2006/relationships" xmlns:p="http://schemas.openxmlformats.org/presentationml/2006/main">
-  <p:cSld>
-    <p:spTree>
-      <p:nvGrpSpPr>
-        <p:cNvPr id="1" name=""/>
-        <p:cNvGrpSpPr/>
-        <p:nvPr/>
-      </p:nvGrpSpPr>
-      <p:grpSpPr/>
-      <p:pic>
-        <p:nvPicPr>
-          <p:cNvPr id="2" name="图片 30"/>
-          <p:cNvPicPr>
-            <a:picLocks noChangeAspect="1"/>
-          </p:cNvPicPr>
-          <p:nvPr/>
-        </p:nvPicPr>
-        <p:blipFill>
-          <a:blip r:embed="rId1"/>
-          <a:stretch>
-            <a:fillRect/>
-          </a:stretch>
-        </p:blipFill>
-        <p:spPr>
-          <a:xfrm>
-            <a:off x="311150" y="272098"/>
-            <a:ext cx="331788" cy="414337"/>
-          </a:xfrm>
-          <a:prstGeom prst="rect">
-            <a:avLst/>
-          </a:prstGeom>
-          <a:noFill/>
-          <a:ln w="9525">
-            <a:noFill/>
-            <a:miter/>
-          </a:ln>
-        </p:spPr>
-      </p:pic>
-      <p:sp>
-        <p:nvSpPr>
-          <p:cNvPr id="3" name="文本框 2"/>
-          <p:cNvSpPr txBox="1"/>
-          <p:nvPr/>
-        </p:nvSpPr>
-        <p:spPr>
-          <a:xfrm>
-            <a:off x="411163" y="359410"/>
-            <a:ext cx="1760538" cy="335280"/>
-          </a:xfrm>
-          <a:prstGeom prst="rect">
-            <a:avLst/>
-          </a:prstGeom>
-          <a:noFill/>
-        </p:spPr>
-        <p:txBody>
-          <a:bodyPr wrap="square" rtlCol="0">
-            <a:spAutoFit/>
-          </a:bodyPr>
-          <a:p>
-            <a:pPr marL="0" marR="0" lvl="0" indent="0" algn="l" defTabSz="685800" rtl="0" eaLnBrk="1" fontAlgn="auto" latinLnBrk="0" hangingPunct="1">
-              <a:lnSpc>
-                <a:spcPct val="100000"/>
-              </a:lnSpc>
-              <a:spcBef>
-                <a:spcPts val="0"/>
-              </a:spcBef>
-              <a:spcAft>
-                <a:spcPts val="0"/>
-              </a:spcAft>
-              <a:buClrTx/>
-              <a:buSzTx/>
-              <a:buFontTx/>
-              <a:buNone/>
-              <a:defRPr/>
-            </a:pPr>
-            <a:r>
-              <a:rPr kumimoji="0" lang="zh-CN" altLang="en-US" sz="1600" b="0" i="0" u="none" strike="noStrike" kern="1200" cap="none" spc="0" normalizeH="0" baseline="0" noProof="0" dirty="0">
-                <a:ln>
-                  <a:noFill/>
-                </a:ln>
-                <a:solidFill>
-                  <a:schemeClr val="bg1"/>
-                </a:solidFill>
-                <a:effectLst/>
-                <a:uLnTx/>
-                <a:uFillTx/>
-                <a:latin typeface="+mn-ea"/>
-                <a:ea typeface="+mn-ea"/>
-                <a:cs typeface="+mn-cs"/>
-              </a:rPr>
-              <a:t>更新</a:t>
-            </a:r>
-            <a:endParaRPr kumimoji="0" lang="zh-CN" altLang="en-US" sz="1600" b="0" i="0" u="none" strike="noStrike" kern="1200" cap="none" spc="0" normalizeH="0" baseline="0" noProof="0" dirty="0">
-              <a:ln>
-                <a:noFill/>
-              </a:ln>
-              <a:solidFill>
-                <a:schemeClr val="bg1"/>
-              </a:solidFill>
-              <a:effectLst/>
-              <a:uLnTx/>
-              <a:uFillTx/>
-              <a:latin typeface="+mn-ea"/>
-              <a:ea typeface="+mn-ea"/>
-              <a:cs typeface="+mn-cs"/>
-            </a:endParaRPr>
-          </a:p>
-        </p:txBody>
-      </p:sp>
-      <p:pic>
-        <p:nvPicPr>
-          <p:cNvPr id="4" name="图片 3" descr="swap"/>
-          <p:cNvPicPr>
-            <a:picLocks noChangeAspect="1"/>
-          </p:cNvPicPr>
-          <p:nvPr/>
-        </p:nvPicPr>
-        <p:blipFill>
-          <a:blip r:embed="rId2"/>
-          <a:stretch>
-            <a:fillRect/>
-          </a:stretch>
-        </p:blipFill>
-        <p:spPr>
-          <a:xfrm>
-            <a:off x="1238250" y="1238250"/>
-            <a:ext cx="6666865" cy="2666365"/>
-          </a:xfrm>
-          <a:prstGeom prst="rect">
-            <a:avLst/>
-          </a:prstGeom>
-        </p:spPr>
-      </p:pic>
-    </p:spTree>
-  </p:cSld>
-  <p:clrMapOvr>
-    <a:masterClrMapping/>
-  </p:clrMapOvr>
-  <mc:AlternateContent xmlns:mc="http://schemas.openxmlformats.org/markup-compatibility/2006">
-    <mc:Choice xmlns:p14="http://schemas.microsoft.com/office/powerpoint/2010/main" Requires="p14">
-      <p:transition spd="med" p14:dur="750">
-        <p:fade/>
-      </p:transition>
-    </mc:Choice>
-    <mc:Fallback>
-      <p:transition spd="med">
-        <p:fade/>
-      </p:transition>
-    </mc:Fallback>
-  </mc:AlternateContent>
-</p:sld>
-</file>
-
-<file path=ppt/slides/slide12.xml><?xml version="1.0" encoding="utf-8"?>
 <p:sld xmlns:a="http://schemas.openxmlformats.org/drawingml/2006/main" xmlns:r="http://schemas.openxmlformats.org/officeDocument/2006/relationships" xmlns:p="http://schemas.openxmlformats.org/presentationml/2006/main">
   <p:cSld>
     <p:spTree>
@@ -5119,7 +4257,543 @@
 </p:sld>
 </file>
 
+<file path=ppt/slides/slide12.xml><?xml version="1.0" encoding="utf-8"?>
+<p:sld xmlns:a="http://schemas.openxmlformats.org/drawingml/2006/main" xmlns:r="http://schemas.openxmlformats.org/officeDocument/2006/relationships" xmlns:p="http://schemas.openxmlformats.org/presentationml/2006/main">
+  <p:cSld>
+    <p:spTree>
+      <p:nvGrpSpPr>
+        <p:cNvPr id="1" name=""/>
+        <p:cNvGrpSpPr/>
+        <p:nvPr/>
+      </p:nvGrpSpPr>
+      <p:grpSpPr/>
+      <p:pic>
+        <p:nvPicPr>
+          <p:cNvPr id="2" name="图片 30"/>
+          <p:cNvPicPr>
+            <a:picLocks noChangeAspect="1"/>
+          </p:cNvPicPr>
+          <p:nvPr/>
+        </p:nvPicPr>
+        <p:blipFill>
+          <a:blip r:embed="rId1"/>
+          <a:stretch>
+            <a:fillRect/>
+          </a:stretch>
+        </p:blipFill>
+        <p:spPr>
+          <a:xfrm>
+            <a:off x="311150" y="272098"/>
+            <a:ext cx="331788" cy="414337"/>
+          </a:xfrm>
+          <a:prstGeom prst="rect">
+            <a:avLst/>
+          </a:prstGeom>
+          <a:noFill/>
+          <a:ln w="9525">
+            <a:noFill/>
+            <a:miter/>
+          </a:ln>
+        </p:spPr>
+      </p:pic>
+      <p:sp>
+        <p:nvSpPr>
+          <p:cNvPr id="3" name="文本框 2"/>
+          <p:cNvSpPr txBox="1"/>
+          <p:nvPr/>
+        </p:nvSpPr>
+        <p:spPr>
+          <a:xfrm>
+            <a:off x="411163" y="359410"/>
+            <a:ext cx="1760538" cy="335280"/>
+          </a:xfrm>
+          <a:prstGeom prst="rect">
+            <a:avLst/>
+          </a:prstGeom>
+          <a:noFill/>
+        </p:spPr>
+        <p:txBody>
+          <a:bodyPr wrap="square" rtlCol="0">
+            <a:spAutoFit/>
+          </a:bodyPr>
+          <a:p>
+            <a:pPr marL="0" marR="0" lvl="0" indent="0" algn="l" defTabSz="685800" rtl="0" eaLnBrk="1" fontAlgn="auto" latinLnBrk="0" hangingPunct="1">
+              <a:lnSpc>
+                <a:spcPct val="100000"/>
+              </a:lnSpc>
+              <a:spcBef>
+                <a:spcPts val="0"/>
+              </a:spcBef>
+              <a:spcAft>
+                <a:spcPts val="0"/>
+              </a:spcAft>
+              <a:buClrTx/>
+              <a:buSzTx/>
+              <a:buFontTx/>
+              <a:buNone/>
+              <a:defRPr/>
+            </a:pPr>
+            <a:r>
+              <a:rPr kumimoji="0" lang="zh-CN" altLang="en-US" sz="1600" b="0" i="0" u="none" strike="noStrike" kern="1200" cap="none" spc="0" normalizeH="0" baseline="0" noProof="0" dirty="0">
+                <a:ln>
+                  <a:noFill/>
+                </a:ln>
+                <a:solidFill>
+                  <a:schemeClr val="bg1"/>
+                </a:solidFill>
+                <a:effectLst/>
+                <a:uLnTx/>
+                <a:uFillTx/>
+                <a:latin typeface="+mn-ea"/>
+                <a:ea typeface="+mn-ea"/>
+                <a:cs typeface="+mn-cs"/>
+              </a:rPr>
+              <a:t>更新</a:t>
+            </a:r>
+            <a:endParaRPr kumimoji="0" lang="zh-CN" altLang="en-US" sz="1600" b="0" i="0" u="none" strike="noStrike" kern="1200" cap="none" spc="0" normalizeH="0" baseline="0" noProof="0" dirty="0">
+              <a:ln>
+                <a:noFill/>
+              </a:ln>
+              <a:solidFill>
+                <a:schemeClr val="bg1"/>
+              </a:solidFill>
+              <a:effectLst/>
+              <a:uLnTx/>
+              <a:uFillTx/>
+              <a:latin typeface="+mn-ea"/>
+              <a:ea typeface="+mn-ea"/>
+              <a:cs typeface="+mn-cs"/>
+            </a:endParaRPr>
+          </a:p>
+        </p:txBody>
+      </p:sp>
+      <p:pic>
+        <p:nvPicPr>
+          <p:cNvPr id="4" name="图片 3" descr="swap"/>
+          <p:cNvPicPr>
+            <a:picLocks noChangeAspect="1"/>
+          </p:cNvPicPr>
+          <p:nvPr/>
+        </p:nvPicPr>
+        <p:blipFill>
+          <a:blip r:embed="rId2"/>
+          <a:stretch>
+            <a:fillRect/>
+          </a:stretch>
+        </p:blipFill>
+        <p:spPr>
+          <a:xfrm>
+            <a:off x="1238250" y="1238250"/>
+            <a:ext cx="6666865" cy="2666365"/>
+          </a:xfrm>
+          <a:prstGeom prst="rect">
+            <a:avLst/>
+          </a:prstGeom>
+        </p:spPr>
+      </p:pic>
+    </p:spTree>
+  </p:cSld>
+  <p:clrMapOvr>
+    <a:masterClrMapping/>
+  </p:clrMapOvr>
+  <mc:AlternateContent xmlns:mc="http://schemas.openxmlformats.org/markup-compatibility/2006">
+    <mc:Choice xmlns:p14="http://schemas.microsoft.com/office/powerpoint/2010/main" Requires="p14">
+      <p:transition spd="med" p14:dur="750">
+        <p:fade/>
+      </p:transition>
+    </mc:Choice>
+    <mc:Fallback>
+      <p:transition spd="med">
+        <p:fade/>
+      </p:transition>
+    </mc:Fallback>
+  </mc:AlternateContent>
+</p:sld>
+</file>
+
 <file path=ppt/slides/slide13.xml><?xml version="1.0" encoding="utf-8"?>
+<p:sld xmlns:a="http://schemas.openxmlformats.org/drawingml/2006/main" xmlns:r="http://schemas.openxmlformats.org/officeDocument/2006/relationships" xmlns:p="http://schemas.openxmlformats.org/presentationml/2006/main">
+  <p:cSld>
+    <p:spTree>
+      <p:nvGrpSpPr>
+        <p:cNvPr id="1" name=""/>
+        <p:cNvGrpSpPr/>
+        <p:nvPr/>
+      </p:nvGrpSpPr>
+      <p:grpSpPr/>
+      <p:sp>
+        <p:nvSpPr>
+          <p:cNvPr id="8" name="矩形 13"/>
+          <p:cNvSpPr>
+            <a:spLocks noChangeArrowheads="1"/>
+          </p:cNvSpPr>
+          <p:nvPr/>
+        </p:nvSpPr>
+        <p:spPr bwMode="auto">
+          <a:xfrm>
+            <a:off x="-654685" y="1996440"/>
+            <a:ext cx="11162665" cy="822960"/>
+          </a:xfrm>
+          <a:prstGeom prst="rect">
+            <a:avLst/>
+          </a:prstGeom>
+          <a:noFill/>
+          <a:ln>
+            <a:noFill/>
+          </a:ln>
+          <a:extLst>
+            <a:ext uri="{909E8E84-426E-40DD-AFC4-6F175D3DCCD1}">
+              <a14:hiddenFill xmlns:a14="http://schemas.microsoft.com/office/drawing/2010/main">
+                <a:solidFill>
+                  <a:srgbClr val="FFFFFF"/>
+                </a:solidFill>
+              </a14:hiddenFill>
+            </a:ext>
+            <a:ext uri="{91240B29-F687-4F45-9708-019B960494DF}">
+              <a14:hiddenLine xmlns:a14="http://schemas.microsoft.com/office/drawing/2010/main" w="9525">
+                <a:solidFill>
+                  <a:srgbClr val="000000"/>
+                </a:solidFill>
+                <a:miter lim="800000"/>
+                <a:headEnd/>
+                <a:tailEnd/>
+              </a14:hiddenLine>
+            </a:ext>
+          </a:extLst>
+        </p:spPr>
+        <p:txBody>
+          <a:bodyPr wrap="square">
+            <a:spAutoFit/>
+          </a:bodyPr>
+          <a:p>
+            <a:pPr marL="0" marR="0" lvl="0" indent="0" algn="ctr" defTabSz="683895" rtl="0" eaLnBrk="1" fontAlgn="auto" latinLnBrk="0" hangingPunct="1">
+              <a:lnSpc>
+                <a:spcPct val="150000"/>
+              </a:lnSpc>
+              <a:spcBef>
+                <a:spcPts val="0"/>
+              </a:spcBef>
+              <a:spcAft>
+                <a:spcPts val="0"/>
+              </a:spcAft>
+              <a:buClrTx/>
+              <a:buSzTx/>
+              <a:buFontTx/>
+              <a:buNone/>
+              <a:defRPr/>
+            </a:pPr>
+            <a:r>
+              <a:rPr kumimoji="0" lang="zh-CN" sz="3200" b="0" i="0" u="none" strike="noStrike" kern="1200" cap="none" spc="0" normalizeH="0" baseline="0" noProof="0" dirty="0">
+                <a:ln>
+                  <a:noFill/>
+                </a:ln>
+                <a:solidFill>
+                  <a:schemeClr val="bg1"/>
+                </a:solidFill>
+                <a:effectLst/>
+                <a:uLnTx/>
+                <a:uFillTx/>
+                <a:latin typeface="+mn-ea"/>
+                <a:ea typeface="+mn-ea"/>
+                <a:cs typeface="+mn-cs"/>
+                <a:sym typeface="Arial" pitchFamily="34" charset="0"/>
+              </a:rPr>
+              <a:t>你会觉得</a:t>
+            </a:r>
+            <a:r>
+              <a:rPr kumimoji="0" lang="en-US" altLang="zh-CN" sz="3200" b="0" i="0" u="none" strike="noStrike" kern="1200" cap="none" spc="0" normalizeH="0" baseline="0" noProof="0" dirty="0">
+                <a:ln>
+                  <a:noFill/>
+                </a:ln>
+                <a:solidFill>
+                  <a:schemeClr val="bg1"/>
+                </a:solidFill>
+                <a:effectLst/>
+                <a:uLnTx/>
+                <a:uFillTx/>
+                <a:latin typeface="+mn-ea"/>
+                <a:ea typeface="+mn-ea"/>
+                <a:cs typeface="+mn-cs"/>
+                <a:sym typeface="Arial" pitchFamily="34" charset="0"/>
+              </a:rPr>
+              <a:t>Android Studio</a:t>
+            </a:r>
+            <a:r>
+              <a:rPr kumimoji="0" lang="zh-CN" altLang="en-US" sz="3200" b="0" i="0" u="none" strike="noStrike" kern="1200" cap="none" spc="0" normalizeH="0" baseline="0" noProof="0" dirty="0">
+                <a:ln>
+                  <a:noFill/>
+                </a:ln>
+                <a:solidFill>
+                  <a:schemeClr val="bg1"/>
+                </a:solidFill>
+                <a:effectLst/>
+                <a:uLnTx/>
+                <a:uFillTx/>
+                <a:latin typeface="+mn-ea"/>
+                <a:ea typeface="+mn-ea"/>
+                <a:cs typeface="+mn-cs"/>
+                <a:sym typeface="Arial" pitchFamily="34" charset="0"/>
+              </a:rPr>
+              <a:t>才是最好的老师！</a:t>
+            </a:r>
+            <a:endParaRPr kumimoji="0" lang="zh-CN" altLang="en-US" sz="3200" b="0" i="0" u="none" strike="noStrike" kern="1200" cap="none" spc="0" normalizeH="0" baseline="0" noProof="0" dirty="0">
+              <a:ln>
+                <a:noFill/>
+              </a:ln>
+              <a:solidFill>
+                <a:schemeClr val="bg1"/>
+              </a:solidFill>
+              <a:effectLst/>
+              <a:uLnTx/>
+              <a:uFillTx/>
+              <a:latin typeface="+mn-ea"/>
+              <a:ea typeface="+mn-ea"/>
+              <a:cs typeface="+mn-cs"/>
+              <a:sym typeface="Arial" pitchFamily="34" charset="0"/>
+            </a:endParaRPr>
+          </a:p>
+        </p:txBody>
+      </p:sp>
+    </p:spTree>
+  </p:cSld>
+  <p:clrMapOvr>
+    <a:masterClrMapping/>
+  </p:clrMapOvr>
+  <mc:AlternateContent xmlns:mc="http://schemas.openxmlformats.org/markup-compatibility/2006">
+    <mc:Choice xmlns:p14="http://schemas.microsoft.com/office/powerpoint/2010/main" Requires="p14">
+      <p:transition spd="med" p14:dur="750">
+        <p:fade/>
+      </p:transition>
+    </mc:Choice>
+    <mc:Fallback>
+      <p:transition spd="med">
+        <p:fade/>
+      </p:transition>
+    </mc:Fallback>
+  </mc:AlternateContent>
+  <p:timing>
+    <p:tnLst>
+      <p:par>
+        <p:cTn id="1" dur="indefinite" restart="never" nodeType="tmRoot">
+          <p:childTnLst>
+            <p:seq concurrent="1" nextAc="seek">
+              <p:cTn id="2" dur="indefinite" nodeType="mainSeq">
+                <p:childTnLst>
+                  <p:par>
+                    <p:cTn id="3" fill="hold">
+                      <p:stCondLst>
+                        <p:cond delay="indefinite"/>
+                      </p:stCondLst>
+                      <p:childTnLst>
+                        <p:par>
+                          <p:cTn id="4" fill="hold">
+                            <p:stCondLst>
+                              <p:cond delay="0"/>
+                            </p:stCondLst>
+                            <p:childTnLst>
+                              <p:par>
+                                <p:cTn id="5" presetID="2" presetClass="entr" presetSubtype="4" fill="hold" grpId="0" nodeType="clickEffect">
+                                  <p:stCondLst>
+                                    <p:cond delay="0"/>
+                                  </p:stCondLst>
+                                  <p:childTnLst>
+                                    <p:set>
+                                      <p:cBhvr>
+                                        <p:cTn id="6" dur="1" fill="hold">
+                                          <p:stCondLst>
+                                            <p:cond delay="0"/>
+                                          </p:stCondLst>
+                                        </p:cTn>
+                                        <p:tgtEl>
+                                          <p:spTgt spid="8"/>
+                                        </p:tgtEl>
+                                        <p:attrNameLst>
+                                          <p:attrName>style.visibility</p:attrName>
+                                        </p:attrNameLst>
+                                      </p:cBhvr>
+                                      <p:to>
+                                        <p:strVal val="visible"/>
+                                      </p:to>
+                                    </p:set>
+                                    <p:anim calcmode="lin" valueType="num">
+                                      <p:cBhvr additive="base">
+                                        <p:cTn id="7" dur="500" fill="hold"/>
+                                        <p:tgtEl>
+                                          <p:spTgt spid="8"/>
+                                        </p:tgtEl>
+                                        <p:attrNameLst>
+                                          <p:attrName>ppt_x</p:attrName>
+                                        </p:attrNameLst>
+                                      </p:cBhvr>
+                                      <p:tavLst>
+                                        <p:tav tm="0">
+                                          <p:val>
+                                            <p:strVal val="#ppt_x"/>
+                                          </p:val>
+                                        </p:tav>
+                                        <p:tav tm="100000">
+                                          <p:val>
+                                            <p:strVal val="#ppt_x"/>
+                                          </p:val>
+                                        </p:tav>
+                                      </p:tavLst>
+                                    </p:anim>
+                                    <p:anim calcmode="lin" valueType="num">
+                                      <p:cBhvr additive="base">
+                                        <p:cTn id="8" dur="500" fill="hold"/>
+                                        <p:tgtEl>
+                                          <p:spTgt spid="8"/>
+                                        </p:tgtEl>
+                                        <p:attrNameLst>
+                                          <p:attrName>ppt_y</p:attrName>
+                                        </p:attrNameLst>
+                                      </p:cBhvr>
+                                      <p:tavLst>
+                                        <p:tav tm="0">
+                                          <p:val>
+                                            <p:strVal val="1+#ppt_h/2"/>
+                                          </p:val>
+                                        </p:tav>
+                                        <p:tav tm="100000">
+                                          <p:val>
+                                            <p:strVal val="#ppt_y"/>
+                                          </p:val>
+                                        </p:tav>
+                                      </p:tavLst>
+                                    </p:anim>
+                                  </p:childTnLst>
+                                </p:cTn>
+                              </p:par>
+                            </p:childTnLst>
+                          </p:cTn>
+                        </p:par>
+                      </p:childTnLst>
+                    </p:cTn>
+                  </p:par>
+                  <p:par>
+                    <p:cTn id="9" fill="hold">
+                      <p:stCondLst>
+                        <p:cond delay="indefinite"/>
+                      </p:stCondLst>
+                      <p:childTnLst>
+                        <p:par>
+                          <p:cTn id="10" fill="hold">
+                            <p:stCondLst>
+                              <p:cond delay="0"/>
+                            </p:stCondLst>
+                            <p:childTnLst>
+                              <p:par>
+                                <p:cTn id="11" presetID="3" presetClass="entr" presetSubtype="10" fill="hold" grpId="1" nodeType="clickEffect">
+                                  <p:stCondLst>
+                                    <p:cond delay="0"/>
+                                  </p:stCondLst>
+                                  <p:childTnLst>
+                                    <p:set>
+                                      <p:cBhvr>
+                                        <p:cTn id="12" dur="1" fill="hold">
+                                          <p:stCondLst>
+                                            <p:cond delay="0"/>
+                                          </p:stCondLst>
+                                        </p:cTn>
+                                        <p:tgtEl>
+                                          <p:spTgt spid="8"/>
+                                        </p:tgtEl>
+                                        <p:attrNameLst>
+                                          <p:attrName>style.visibility</p:attrName>
+                                        </p:attrNameLst>
+                                      </p:cBhvr>
+                                      <p:to>
+                                        <p:strVal val="visible"/>
+                                      </p:to>
+                                    </p:set>
+                                    <p:animEffect transition="in" filter="blinds(horizontal)">
+                                      <p:cBhvr>
+                                        <p:cTn id="13" dur="500"/>
+                                        <p:tgtEl>
+                                          <p:spTgt spid="8"/>
+                                        </p:tgtEl>
+                                      </p:cBhvr>
+                                    </p:animEffect>
+                                  </p:childTnLst>
+                                </p:cTn>
+                              </p:par>
+                            </p:childTnLst>
+                          </p:cTn>
+                        </p:par>
+                      </p:childTnLst>
+                    </p:cTn>
+                  </p:par>
+                  <p:par>
+                    <p:cTn id="14" fill="hold">
+                      <p:stCondLst>
+                        <p:cond delay="indefinite"/>
+                      </p:stCondLst>
+                      <p:childTnLst>
+                        <p:par>
+                          <p:cTn id="15" fill="hold">
+                            <p:stCondLst>
+                              <p:cond delay="0"/>
+                            </p:stCondLst>
+                            <p:childTnLst>
+                              <p:par>
+                                <p:cTn id="16" presetID="6" presetClass="emph" presetSubtype="0" fill="hold" grpId="2" nodeType="clickEffect">
+                                  <p:stCondLst>
+                                    <p:cond delay="0"/>
+                                  </p:stCondLst>
+                                  <p:childTnLst>
+                                    <p:animScale>
+                                      <p:cBhvr>
+                                        <p:cTn id="17" dur="2000" fill="hold"/>
+                                        <p:tgtEl>
+                                          <p:spTgt spid="8"/>
+                                        </p:tgtEl>
+                                      </p:cBhvr>
+                                      <p:by x="50000" y="50000"/>
+                                    </p:animScale>
+                                  </p:childTnLst>
+                                </p:cTn>
+                              </p:par>
+                            </p:childTnLst>
+                          </p:cTn>
+                        </p:par>
+                      </p:childTnLst>
+                    </p:cTn>
+                  </p:par>
+                </p:childTnLst>
+              </p:cTn>
+              <p:prevCondLst>
+                <p:cond evt="onPrev" delay="0">
+                  <p:tgtEl>
+                    <p:sldTgt/>
+                  </p:tgtEl>
+                </p:cond>
+              </p:prevCondLst>
+              <p:nextCondLst>
+                <p:cond evt="onNext" delay="0">
+                  <p:tgtEl>
+                    <p:sldTgt/>
+                  </p:tgtEl>
+                </p:cond>
+              </p:nextCondLst>
+            </p:seq>
+          </p:childTnLst>
+        </p:cTn>
+      </p:par>
+    </p:tnLst>
+    <p:bldLst>
+      <p:bldP spid="8" grpId="0"/>
+      <p:bldP spid="8" grpId="1"/>
+      <p:bldP spid="8" grpId="2"/>
+      <p:bldP spid="8" grpId="3"/>
+      <p:bldP spid="8" grpId="4"/>
+      <p:bldP spid="8" grpId="5"/>
+      <p:bldP spid="8" grpId="6"/>
+    </p:bldLst>
+  </p:timing>
+</p:sld>
+</file>
+
+<file path=ppt/slides/slide14.xml><?xml version="1.0" encoding="utf-8"?>
 <p:sld xmlns:a="http://schemas.openxmlformats.org/drawingml/2006/main" xmlns:r="http://schemas.openxmlformats.org/officeDocument/2006/relationships" xmlns:p="http://schemas.openxmlformats.org/presentationml/2006/main">
   <p:cSld>
     <p:spTree>
@@ -5182,7 +4856,7 @@
                 <a:ea typeface="方正兰亭黑简体" pitchFamily="2" charset="-122"/>
                 <a:cs typeface="+mn-cs"/>
               </a:rPr>
-              <a:t>感谢您的聆听！</a:t>
+              <a:t>感谢您的倾听！</a:t>
             </a:r>
             <a:endParaRPr kumimoji="0" lang="zh-CN" altLang="en-US" sz="4950" b="0" i="0" u="none" strike="noStrike" kern="1200" cap="none" spc="0" normalizeH="0" baseline="0" noProof="0" dirty="0">
               <a:ln>
@@ -17950,167 +17624,6 @@
           </a:p>
         </p:txBody>
       </p:sp>
-      <p:pic>
-        <p:nvPicPr>
-          <p:cNvPr id="6" name="图片 5" descr="增量编译"/>
-          <p:cNvPicPr>
-            <a:picLocks noChangeAspect="1"/>
-          </p:cNvPicPr>
-          <p:nvPr/>
-        </p:nvPicPr>
-        <p:blipFill>
-          <a:blip r:embed="rId2"/>
-          <a:stretch>
-            <a:fillRect/>
-          </a:stretch>
-        </p:blipFill>
-        <p:spPr>
-          <a:xfrm>
-            <a:off x="870585" y="755015"/>
-            <a:ext cx="7619365" cy="4285615"/>
-          </a:xfrm>
-          <a:prstGeom prst="rect">
-            <a:avLst/>
-          </a:prstGeom>
-        </p:spPr>
-      </p:pic>
-    </p:spTree>
-  </p:cSld>
-  <p:clrMapOvr>
-    <a:masterClrMapping/>
-  </p:clrMapOvr>
-  <mc:AlternateContent xmlns:mc="http://schemas.openxmlformats.org/markup-compatibility/2006">
-    <mc:Choice xmlns:p14="http://schemas.microsoft.com/office/powerpoint/2010/main" Requires="p14">
-      <p:transition spd="med" p14:dur="750">
-        <p:fade/>
-      </p:transition>
-    </mc:Choice>
-    <mc:Fallback>
-      <p:transition spd="med">
-        <p:fade/>
-      </p:transition>
-    </mc:Fallback>
-  </mc:AlternateContent>
-  <p:timing>
-    <p:tnLst>
-      <p:par>
-        <p:cTn id="1" dur="indefinite" restart="never" nodeType="tmRoot"/>
-      </p:par>
-    </p:tnLst>
-  </p:timing>
-</p:sld>
-</file>
-
-<file path=ppt/slides/slide8.xml><?xml version="1.0" encoding="utf-8"?>
-<p:sld xmlns:a="http://schemas.openxmlformats.org/drawingml/2006/main" xmlns:r="http://schemas.openxmlformats.org/officeDocument/2006/relationships" xmlns:p="http://schemas.openxmlformats.org/presentationml/2006/main">
-  <p:cSld>
-    <p:spTree>
-      <p:nvGrpSpPr>
-        <p:cNvPr id="1" name=""/>
-        <p:cNvGrpSpPr/>
-        <p:nvPr/>
-      </p:nvGrpSpPr>
-      <p:grpSpPr/>
-      <p:pic>
-        <p:nvPicPr>
-          <p:cNvPr id="2" name="图片 30"/>
-          <p:cNvPicPr>
-            <a:picLocks noChangeAspect="1"/>
-          </p:cNvPicPr>
-          <p:nvPr/>
-        </p:nvPicPr>
-        <p:blipFill>
-          <a:blip r:embed="rId1"/>
-          <a:stretch>
-            <a:fillRect/>
-          </a:stretch>
-        </p:blipFill>
-        <p:spPr>
-          <a:xfrm>
-            <a:off x="311150" y="272098"/>
-            <a:ext cx="331788" cy="414337"/>
-          </a:xfrm>
-          <a:prstGeom prst="rect">
-            <a:avLst/>
-          </a:prstGeom>
-          <a:noFill/>
-          <a:ln w="9525">
-            <a:noFill/>
-            <a:miter/>
-          </a:ln>
-        </p:spPr>
-      </p:pic>
-      <p:sp>
-        <p:nvSpPr>
-          <p:cNvPr id="3" name="文本框 2"/>
-          <p:cNvSpPr txBox="1"/>
-          <p:nvPr/>
-        </p:nvSpPr>
-        <p:spPr>
-          <a:xfrm>
-            <a:off x="411163" y="359410"/>
-            <a:ext cx="1760538" cy="335280"/>
-          </a:xfrm>
-          <a:prstGeom prst="rect">
-            <a:avLst/>
-          </a:prstGeom>
-          <a:noFill/>
-        </p:spPr>
-        <p:txBody>
-          <a:bodyPr wrap="square" rtlCol="0">
-            <a:spAutoFit/>
-          </a:bodyPr>
-          <a:p>
-            <a:pPr marL="0" marR="0" lvl="0" indent="0" algn="l" defTabSz="685800" rtl="0" eaLnBrk="1" fontAlgn="auto" latinLnBrk="0" hangingPunct="1">
-              <a:lnSpc>
-                <a:spcPct val="100000"/>
-              </a:lnSpc>
-              <a:spcBef>
-                <a:spcPts val="0"/>
-              </a:spcBef>
-              <a:spcAft>
-                <a:spcPts val="0"/>
-              </a:spcAft>
-              <a:buClrTx/>
-              <a:buSzTx/>
-              <a:buFontTx/>
-              <a:buNone/>
-              <a:defRPr/>
-            </a:pPr>
-            <a:r>
-              <a:rPr kumimoji="0" lang="zh-CN" altLang="en-US" sz="1600" b="0" i="0" u="none" strike="noStrike" kern="1200" cap="none" spc="0" normalizeH="0" baseline="0" noProof="0" dirty="0">
-                <a:ln>
-                  <a:noFill/>
-                </a:ln>
-                <a:solidFill>
-                  <a:schemeClr val="bg1"/>
-                </a:solidFill>
-                <a:effectLst/>
-                <a:uLnTx/>
-                <a:uFillTx/>
-                <a:latin typeface="+mn-ea"/>
-                <a:ea typeface="+mn-ea"/>
-                <a:cs typeface="+mn-cs"/>
-              </a:rPr>
-              <a:t>第一次编译</a:t>
-            </a:r>
-            <a:endParaRPr kumimoji="0" lang="zh-CN" altLang="en-US" sz="1600" b="0" i="0" u="none" strike="noStrike" kern="1200" cap="none" spc="0" normalizeH="0" baseline="0" noProof="0" dirty="0">
-              <a:ln>
-                <a:noFill/>
-              </a:ln>
-              <a:solidFill>
-                <a:schemeClr val="bg1"/>
-              </a:solidFill>
-              <a:effectLst/>
-              <a:uLnTx/>
-              <a:uFillTx/>
-              <a:latin typeface="+mn-ea"/>
-              <a:ea typeface="+mn-ea"/>
-              <a:cs typeface="+mn-cs"/>
-            </a:endParaRPr>
-          </a:p>
-        </p:txBody>
-      </p:sp>
       <p:sp>
         <p:nvSpPr>
           <p:cNvPr id="5" name="矩形 13"/>
@@ -18393,25 +17906,7 @@
                 <a:cs typeface="+mn-cs"/>
                 <a:sym typeface="Arial" pitchFamily="34" charset="0"/>
               </a:rPr>
-              <a:t>为</a:t>
-            </a:r>
-            <a:r>
-              <a:rPr kumimoji="0" lang="zh-CN" sz="1400" b="0" i="0" u="none" strike="noStrike" kern="1200" cap="none" spc="0" normalizeH="0" baseline="0" noProof="0" dirty="0">
-                <a:ln>
-                  <a:noFill/>
-                </a:ln>
-                <a:solidFill>
-                  <a:schemeClr val="bg1"/>
-                </a:solidFill>
-                <a:effectLst/>
-                <a:uLnTx/>
-                <a:uFillTx/>
-                <a:latin typeface="+mn-ea"/>
-                <a:ea typeface="+mn-ea"/>
-                <a:cs typeface="+mn-cs"/>
-                <a:sym typeface="Arial" pitchFamily="34" charset="0"/>
-              </a:rPr>
-              <a:t>com.android.tools.fd.runtime.BootstrapApplication</a:t>
+              <a:t>为com.android.tools.fd.runtime.BootstrapApplication</a:t>
             </a:r>
             <a:endParaRPr kumimoji="0" lang="zh-CN" sz="1400" b="0" i="0" u="none" strike="noStrike" kern="1200" cap="none" spc="0" normalizeH="0" baseline="0" noProof="0" dirty="0">
               <a:ln>
@@ -18645,7 +18140,7 @@
 </p:sld>
 </file>
 
-<file path=ppt/slides/slide9.xml><?xml version="1.0" encoding="utf-8"?>
+<file path=ppt/slides/slide8.xml><?xml version="1.0" encoding="utf-8"?>
 <p:sld xmlns:a="http://schemas.openxmlformats.org/drawingml/2006/main" xmlns:r="http://schemas.openxmlformats.org/officeDocument/2006/relationships" xmlns:p="http://schemas.openxmlformats.org/presentationml/2006/main">
   <p:cSld>
     <p:spTree>
@@ -18657,7 +18152,7 @@
       <p:grpSpPr/>
       <p:pic>
         <p:nvPicPr>
-          <p:cNvPr id="4" name="图片 3" descr="hotswap执行过程"/>
+          <p:cNvPr id="2" name="图片 30"/>
           <p:cNvPicPr>
             <a:picLocks noChangeAspect="1"/>
           </p:cNvPicPr>
@@ -18671,14 +18166,984 @@
         </p:blipFill>
         <p:spPr>
           <a:xfrm>
-            <a:off x="1714500" y="967105"/>
-            <a:ext cx="5714365" cy="3209290"/>
+            <a:off x="311150" y="272098"/>
+            <a:ext cx="331788" cy="414337"/>
+          </a:xfrm>
+          <a:prstGeom prst="rect">
+            <a:avLst/>
+          </a:prstGeom>
+          <a:noFill/>
+          <a:ln w="9525">
+            <a:noFill/>
+            <a:miter/>
+          </a:ln>
+        </p:spPr>
+      </p:pic>
+      <p:sp>
+        <p:nvSpPr>
+          <p:cNvPr id="3" name="文本框 2"/>
+          <p:cNvSpPr txBox="1"/>
+          <p:nvPr/>
+        </p:nvSpPr>
+        <p:spPr>
+          <a:xfrm>
+            <a:off x="411163" y="359410"/>
+            <a:ext cx="1760538" cy="335280"/>
+          </a:xfrm>
+          <a:prstGeom prst="rect">
+            <a:avLst/>
+          </a:prstGeom>
+          <a:noFill/>
+        </p:spPr>
+        <p:txBody>
+          <a:bodyPr wrap="square" rtlCol="0">
+            <a:spAutoFit/>
+          </a:bodyPr>
+          <a:p>
+            <a:pPr marL="0" marR="0" lvl="0" indent="0" algn="l" defTabSz="685800" rtl="0" eaLnBrk="1" fontAlgn="auto" latinLnBrk="0" hangingPunct="1">
+              <a:lnSpc>
+                <a:spcPct val="100000"/>
+              </a:lnSpc>
+              <a:spcBef>
+                <a:spcPts val="0"/>
+              </a:spcBef>
+              <a:spcAft>
+                <a:spcPts val="0"/>
+              </a:spcAft>
+              <a:buClrTx/>
+              <a:buSzTx/>
+              <a:buFontTx/>
+              <a:buNone/>
+              <a:defRPr/>
+            </a:pPr>
+            <a:r>
+              <a:rPr kumimoji="0" lang="zh-CN" altLang="en-US" sz="1600" b="0" i="0" u="none" strike="noStrike" kern="1200" cap="none" spc="0" normalizeH="0" baseline="0" noProof="0" dirty="0">
+                <a:ln>
+                  <a:noFill/>
+                </a:ln>
+                <a:solidFill>
+                  <a:schemeClr val="bg1"/>
+                </a:solidFill>
+                <a:effectLst/>
+                <a:uLnTx/>
+                <a:uFillTx/>
+                <a:latin typeface="+mn-ea"/>
+                <a:ea typeface="+mn-ea"/>
+                <a:cs typeface="+mn-cs"/>
+              </a:rPr>
+              <a:t>第一次编译</a:t>
+            </a:r>
+            <a:endParaRPr kumimoji="0" lang="zh-CN" altLang="en-US" sz="1600" b="0" i="0" u="none" strike="noStrike" kern="1200" cap="none" spc="0" normalizeH="0" baseline="0" noProof="0" dirty="0">
+              <a:ln>
+                <a:noFill/>
+              </a:ln>
+              <a:solidFill>
+                <a:schemeClr val="bg1"/>
+              </a:solidFill>
+              <a:effectLst/>
+              <a:uLnTx/>
+              <a:uFillTx/>
+              <a:latin typeface="+mn-ea"/>
+              <a:ea typeface="+mn-ea"/>
+              <a:cs typeface="+mn-cs"/>
+            </a:endParaRPr>
+          </a:p>
+        </p:txBody>
+      </p:sp>
+      <p:pic>
+        <p:nvPicPr>
+          <p:cNvPr id="6" name="图片 5" descr="增量编译"/>
+          <p:cNvPicPr>
+            <a:picLocks noChangeAspect="1"/>
+          </p:cNvPicPr>
+          <p:nvPr/>
+        </p:nvPicPr>
+        <p:blipFill>
+          <a:blip r:embed="rId2"/>
+          <a:stretch>
+            <a:fillRect/>
+          </a:stretch>
+        </p:blipFill>
+        <p:spPr>
+          <a:xfrm>
+            <a:off x="870585" y="755015"/>
+            <a:ext cx="7619365" cy="4285615"/>
           </a:xfrm>
           <a:prstGeom prst="rect">
             <a:avLst/>
           </a:prstGeom>
         </p:spPr>
       </p:pic>
+    </p:spTree>
+  </p:cSld>
+  <p:clrMapOvr>
+    <a:masterClrMapping/>
+  </p:clrMapOvr>
+  <mc:AlternateContent xmlns:mc="http://schemas.openxmlformats.org/markup-compatibility/2006">
+    <mc:Choice xmlns:p14="http://schemas.microsoft.com/office/powerpoint/2010/main" Requires="p14">
+      <p:transition spd="med" p14:dur="750">
+        <p:fade/>
+      </p:transition>
+    </mc:Choice>
+    <mc:Fallback>
+      <p:transition spd="med">
+        <p:fade/>
+      </p:transition>
+    </mc:Fallback>
+  </mc:AlternateContent>
+  <p:timing>
+    <p:tnLst>
+      <p:par>
+        <p:cTn id="1" dur="indefinite" restart="never" nodeType="tmRoot"/>
+      </p:par>
+    </p:tnLst>
+  </p:timing>
+</p:sld>
+</file>
+
+<file path=ppt/slides/slide9.xml><?xml version="1.0" encoding="utf-8"?>
+<p:sld xmlns:a="http://schemas.openxmlformats.org/drawingml/2006/main" xmlns:r="http://schemas.openxmlformats.org/officeDocument/2006/relationships" xmlns:p="http://schemas.openxmlformats.org/presentationml/2006/main">
+  <p:cSld>
+    <p:spTree>
+      <p:nvGrpSpPr>
+        <p:cNvPr id="1" name=""/>
+        <p:cNvGrpSpPr/>
+        <p:nvPr/>
+      </p:nvGrpSpPr>
+      <p:grpSpPr/>
+      <p:pic>
+        <p:nvPicPr>
+          <p:cNvPr id="2" name="图片 30"/>
+          <p:cNvPicPr>
+            <a:picLocks noChangeAspect="1"/>
+          </p:cNvPicPr>
+          <p:nvPr/>
+        </p:nvPicPr>
+        <p:blipFill>
+          <a:blip r:embed="rId1"/>
+          <a:stretch>
+            <a:fillRect/>
+          </a:stretch>
+        </p:blipFill>
+        <p:spPr>
+          <a:xfrm>
+            <a:off x="311150" y="272098"/>
+            <a:ext cx="331788" cy="414337"/>
+          </a:xfrm>
+          <a:prstGeom prst="rect">
+            <a:avLst/>
+          </a:prstGeom>
+          <a:noFill/>
+          <a:ln w="9525">
+            <a:noFill/>
+            <a:miter/>
+          </a:ln>
+        </p:spPr>
+      </p:pic>
+      <p:sp>
+        <p:nvSpPr>
+          <p:cNvPr id="3" name="文本框 2"/>
+          <p:cNvSpPr txBox="1"/>
+          <p:nvPr/>
+        </p:nvSpPr>
+        <p:spPr>
+          <a:xfrm>
+            <a:off x="411163" y="359410"/>
+            <a:ext cx="1760538" cy="335280"/>
+          </a:xfrm>
+          <a:prstGeom prst="rect">
+            <a:avLst/>
+          </a:prstGeom>
+          <a:noFill/>
+        </p:spPr>
+        <p:txBody>
+          <a:bodyPr wrap="square" rtlCol="0">
+            <a:spAutoFit/>
+          </a:bodyPr>
+          <a:p>
+            <a:pPr marL="0" marR="0" lvl="0" indent="0" algn="l" defTabSz="685800" rtl="0" eaLnBrk="1" fontAlgn="auto" latinLnBrk="0" hangingPunct="1">
+              <a:lnSpc>
+                <a:spcPct val="100000"/>
+              </a:lnSpc>
+              <a:spcBef>
+                <a:spcPts val="0"/>
+              </a:spcBef>
+              <a:spcAft>
+                <a:spcPts val="0"/>
+              </a:spcAft>
+              <a:buClrTx/>
+              <a:buSzTx/>
+              <a:buFontTx/>
+              <a:buNone/>
+              <a:defRPr/>
+            </a:pPr>
+            <a:r>
+              <a:rPr kumimoji="0" lang="zh-CN" altLang="en-US" sz="1600" b="0" i="0" u="none" strike="noStrike" kern="1200" cap="none" spc="0" normalizeH="0" baseline="0" noProof="0" dirty="0">
+                <a:ln>
+                  <a:noFill/>
+                </a:ln>
+                <a:solidFill>
+                  <a:schemeClr val="bg1"/>
+                </a:solidFill>
+                <a:effectLst/>
+                <a:uLnTx/>
+                <a:uFillTx/>
+                <a:latin typeface="+mn-ea"/>
+                <a:ea typeface="+mn-ea"/>
+                <a:cs typeface="+mn-cs"/>
+              </a:rPr>
+              <a:t>运行时</a:t>
+            </a:r>
+            <a:endParaRPr kumimoji="0" lang="zh-CN" altLang="en-US" sz="1600" b="0" i="0" u="none" strike="noStrike" kern="1200" cap="none" spc="0" normalizeH="0" baseline="0" noProof="0" dirty="0">
+              <a:ln>
+                <a:noFill/>
+              </a:ln>
+              <a:solidFill>
+                <a:schemeClr val="bg1"/>
+              </a:solidFill>
+              <a:effectLst/>
+              <a:uLnTx/>
+              <a:uFillTx/>
+              <a:latin typeface="+mn-ea"/>
+              <a:ea typeface="+mn-ea"/>
+              <a:cs typeface="+mn-cs"/>
+            </a:endParaRPr>
+          </a:p>
+        </p:txBody>
+      </p:sp>
+      <p:sp>
+        <p:nvSpPr>
+          <p:cNvPr id="5" name="矩形 13"/>
+          <p:cNvSpPr>
+            <a:spLocks noChangeArrowheads="1"/>
+          </p:cNvSpPr>
+          <p:nvPr/>
+        </p:nvSpPr>
+        <p:spPr bwMode="auto">
+          <a:xfrm>
+            <a:off x="1398905" y="644525"/>
+            <a:ext cx="4455160" cy="411480"/>
+          </a:xfrm>
+          <a:prstGeom prst="rect">
+            <a:avLst/>
+          </a:prstGeom>
+          <a:noFill/>
+          <a:ln>
+            <a:noFill/>
+          </a:ln>
+          <a:extLst>
+            <a:ext uri="{909E8E84-426E-40DD-AFC4-6F175D3DCCD1}">
+              <a14:hiddenFill xmlns:a14="http://schemas.microsoft.com/office/drawing/2010/main">
+                <a:solidFill>
+                  <a:srgbClr val="FFFFFF"/>
+                </a:solidFill>
+              </a14:hiddenFill>
+            </a:ext>
+            <a:ext uri="{91240B29-F687-4F45-9708-019B960494DF}">
+              <a14:hiddenLine xmlns:a14="http://schemas.microsoft.com/office/drawing/2010/main" w="9525">
+                <a:solidFill>
+                  <a:srgbClr val="000000"/>
+                </a:solidFill>
+                <a:miter lim="800000"/>
+                <a:headEnd/>
+                <a:tailEnd/>
+              </a14:hiddenLine>
+            </a:ext>
+          </a:extLst>
+        </p:spPr>
+        <p:txBody>
+          <a:bodyPr wrap="square">
+            <a:spAutoFit/>
+          </a:bodyPr>
+          <a:p>
+            <a:pPr marL="0" marR="0" lvl="0" indent="0" algn="ctr" defTabSz="683895" rtl="0" eaLnBrk="1" fontAlgn="auto" latinLnBrk="0" hangingPunct="1">
+              <a:lnSpc>
+                <a:spcPct val="150000"/>
+              </a:lnSpc>
+              <a:spcBef>
+                <a:spcPts val="0"/>
+              </a:spcBef>
+              <a:spcAft>
+                <a:spcPts val="0"/>
+              </a:spcAft>
+              <a:buClrTx/>
+              <a:buSzTx/>
+              <a:buFontTx/>
+              <a:buNone/>
+              <a:defRPr/>
+            </a:pPr>
+            <a:r>
+              <a:rPr kumimoji="0" sz="1400" b="0" i="0" u="none" strike="noStrike" kern="1200" cap="none" spc="0" normalizeH="0" baseline="0" noProof="0" dirty="0">
+                <a:ln>
+                  <a:noFill/>
+                </a:ln>
+                <a:solidFill>
+                  <a:schemeClr val="bg1"/>
+                </a:solidFill>
+                <a:effectLst/>
+                <a:uLnTx/>
+                <a:uFillTx/>
+                <a:latin typeface="+mn-ea"/>
+                <a:ea typeface="+mn-ea"/>
+                <a:cs typeface="+mn-cs"/>
+                <a:sym typeface="Arial" pitchFamily="34" charset="0"/>
+              </a:rPr>
+              <a:t>1.获取更改后资源resource.ap_的路径</a:t>
+            </a:r>
+            <a:endParaRPr kumimoji="0" sz="1400" b="0" i="0" u="none" strike="noStrike" kern="1200" cap="none" spc="0" normalizeH="0" baseline="0" noProof="0" dirty="0">
+              <a:ln>
+                <a:noFill/>
+              </a:ln>
+              <a:solidFill>
+                <a:schemeClr val="bg1"/>
+              </a:solidFill>
+              <a:effectLst/>
+              <a:uLnTx/>
+              <a:uFillTx/>
+              <a:latin typeface="+mn-ea"/>
+              <a:ea typeface="+mn-ea"/>
+              <a:cs typeface="+mn-cs"/>
+              <a:sym typeface="Arial" pitchFamily="34" charset="0"/>
+            </a:endParaRPr>
+          </a:p>
+        </p:txBody>
+      </p:sp>
+      <p:sp>
+        <p:nvSpPr>
+          <p:cNvPr id="4" name="矩形 13"/>
+          <p:cNvSpPr>
+            <a:spLocks noChangeArrowheads="1"/>
+          </p:cNvSpPr>
+          <p:nvPr/>
+        </p:nvSpPr>
+        <p:spPr bwMode="auto">
+          <a:xfrm>
+            <a:off x="-170815" y="1141730"/>
+            <a:ext cx="6159500" cy="411480"/>
+          </a:xfrm>
+          <a:prstGeom prst="rect">
+            <a:avLst/>
+          </a:prstGeom>
+          <a:noFill/>
+          <a:ln>
+            <a:noFill/>
+          </a:ln>
+          <a:extLst>
+            <a:ext uri="{909E8E84-426E-40DD-AFC4-6F175D3DCCD1}">
+              <a14:hiddenFill xmlns:a14="http://schemas.microsoft.com/office/drawing/2010/main">
+                <a:solidFill>
+                  <a:srgbClr val="FFFFFF"/>
+                </a:solidFill>
+              </a14:hiddenFill>
+            </a:ext>
+            <a:ext uri="{91240B29-F687-4F45-9708-019B960494DF}">
+              <a14:hiddenLine xmlns:a14="http://schemas.microsoft.com/office/drawing/2010/main" w="9525">
+                <a:solidFill>
+                  <a:srgbClr val="000000"/>
+                </a:solidFill>
+                <a:miter lim="800000"/>
+                <a:headEnd/>
+                <a:tailEnd/>
+              </a14:hiddenLine>
+            </a:ext>
+          </a:extLst>
+        </p:spPr>
+        <p:txBody>
+          <a:bodyPr wrap="square">
+            <a:spAutoFit/>
+          </a:bodyPr>
+          <a:p>
+            <a:pPr marL="0" marR="0" lvl="0" indent="0" algn="ctr" defTabSz="683895" rtl="0" eaLnBrk="1" fontAlgn="auto" latinLnBrk="0" hangingPunct="1">
+              <a:lnSpc>
+                <a:spcPct val="150000"/>
+              </a:lnSpc>
+              <a:spcBef>
+                <a:spcPts val="0"/>
+              </a:spcBef>
+              <a:spcAft>
+                <a:spcPts val="0"/>
+              </a:spcAft>
+              <a:buClrTx/>
+              <a:buSzTx/>
+              <a:buFontTx/>
+              <a:buNone/>
+              <a:defRPr/>
+            </a:pPr>
+            <a:r>
+              <a:rPr kumimoji="0" lang="en-US" sz="1400" b="0" i="0" u="none" strike="noStrike" kern="1200" cap="none" spc="0" normalizeH="0" baseline="0" noProof="0" dirty="0">
+                <a:ln>
+                  <a:noFill/>
+                </a:ln>
+                <a:solidFill>
+                  <a:schemeClr val="bg1"/>
+                </a:solidFill>
+                <a:effectLst/>
+                <a:uLnTx/>
+                <a:uFillTx/>
+                <a:latin typeface="+mn-ea"/>
+                <a:ea typeface="+mn-ea"/>
+                <a:cs typeface="+mn-cs"/>
+                <a:sym typeface="Arial" pitchFamily="34" charset="0"/>
+              </a:rPr>
+              <a:t>2.</a:t>
+            </a:r>
+            <a:r>
+              <a:rPr kumimoji="0" sz="1400" b="0" i="0" u="none" strike="noStrike" kern="1200" cap="none" spc="0" normalizeH="0" baseline="0" noProof="0" dirty="0">
+                <a:ln>
+                  <a:noFill/>
+                </a:ln>
+                <a:solidFill>
+                  <a:schemeClr val="bg1"/>
+                </a:solidFill>
+                <a:effectLst/>
+                <a:uLnTx/>
+                <a:uFillTx/>
+                <a:latin typeface="+mn-ea"/>
+                <a:ea typeface="+mn-ea"/>
+                <a:cs typeface="+mn-cs"/>
+                <a:sym typeface="Arial" pitchFamily="34" charset="0"/>
+              </a:rPr>
+              <a:t>设置ClassLoader</a:t>
+            </a:r>
+            <a:endParaRPr kumimoji="0" sz="1400" b="0" i="0" u="none" strike="noStrike" kern="1200" cap="none" spc="0" normalizeH="0" baseline="0" noProof="0" dirty="0">
+              <a:ln>
+                <a:noFill/>
+              </a:ln>
+              <a:solidFill>
+                <a:schemeClr val="bg1"/>
+              </a:solidFill>
+              <a:effectLst/>
+              <a:uLnTx/>
+              <a:uFillTx/>
+              <a:latin typeface="+mn-ea"/>
+              <a:ea typeface="+mn-ea"/>
+              <a:cs typeface="+mn-cs"/>
+              <a:sym typeface="Arial" pitchFamily="34" charset="0"/>
+            </a:endParaRPr>
+          </a:p>
+        </p:txBody>
+      </p:sp>
+      <p:sp>
+        <p:nvSpPr>
+          <p:cNvPr id="6" name="矩形 13"/>
+          <p:cNvSpPr>
+            <a:spLocks noChangeArrowheads="1"/>
+          </p:cNvSpPr>
+          <p:nvPr/>
+        </p:nvSpPr>
+        <p:spPr bwMode="auto">
+          <a:xfrm>
+            <a:off x="144780" y="1616710"/>
+            <a:ext cx="6159500" cy="411480"/>
+          </a:xfrm>
+          <a:prstGeom prst="rect">
+            <a:avLst/>
+          </a:prstGeom>
+          <a:noFill/>
+          <a:ln>
+            <a:noFill/>
+          </a:ln>
+          <a:extLst>
+            <a:ext uri="{909E8E84-426E-40DD-AFC4-6F175D3DCCD1}">
+              <a14:hiddenFill xmlns:a14="http://schemas.microsoft.com/office/drawing/2010/main">
+                <a:solidFill>
+                  <a:srgbClr val="FFFFFF"/>
+                </a:solidFill>
+              </a14:hiddenFill>
+            </a:ext>
+            <a:ext uri="{91240B29-F687-4F45-9708-019B960494DF}">
+              <a14:hiddenLine xmlns:a14="http://schemas.microsoft.com/office/drawing/2010/main" w="9525">
+                <a:solidFill>
+                  <a:srgbClr val="000000"/>
+                </a:solidFill>
+                <a:miter lim="800000"/>
+                <a:headEnd/>
+                <a:tailEnd/>
+              </a14:hiddenLine>
+            </a:ext>
+          </a:extLst>
+        </p:spPr>
+        <p:txBody>
+          <a:bodyPr wrap="square">
+            <a:spAutoFit/>
+          </a:bodyPr>
+          <a:p>
+            <a:pPr marL="0" marR="0" lvl="0" indent="0" algn="ctr" defTabSz="683895" rtl="0" eaLnBrk="1" fontAlgn="auto" latinLnBrk="0" hangingPunct="1">
+              <a:lnSpc>
+                <a:spcPct val="150000"/>
+              </a:lnSpc>
+              <a:spcBef>
+                <a:spcPts val="0"/>
+              </a:spcBef>
+              <a:spcAft>
+                <a:spcPts val="0"/>
+              </a:spcAft>
+              <a:buClrTx/>
+              <a:buSzTx/>
+              <a:buFontTx/>
+              <a:buNone/>
+              <a:defRPr/>
+            </a:pPr>
+            <a:r>
+              <a:rPr kumimoji="0" lang="en-US" sz="1400" b="0" i="0" u="none" strike="noStrike" kern="1200" cap="none" spc="0" normalizeH="0" baseline="0" noProof="0" dirty="0">
+                <a:ln>
+                  <a:noFill/>
+                </a:ln>
+                <a:solidFill>
+                  <a:schemeClr val="bg1"/>
+                </a:solidFill>
+                <a:effectLst/>
+                <a:uLnTx/>
+                <a:uFillTx/>
+                <a:latin typeface="+mn-ea"/>
+                <a:ea typeface="+mn-ea"/>
+                <a:cs typeface="+mn-cs"/>
+                <a:sym typeface="Arial" pitchFamily="34" charset="0"/>
+              </a:rPr>
+              <a:t>3.</a:t>
+            </a:r>
+            <a:r>
+              <a:rPr kumimoji="0" sz="1400" b="0" i="0" u="none" strike="noStrike" kern="1200" cap="none" spc="0" normalizeH="0" baseline="0" noProof="0" dirty="0">
+                <a:ln>
+                  <a:noFill/>
+                </a:ln>
+                <a:solidFill>
+                  <a:schemeClr val="bg1"/>
+                </a:solidFill>
+                <a:effectLst/>
+                <a:uLnTx/>
+                <a:uFillTx/>
+                <a:latin typeface="+mn-ea"/>
+                <a:ea typeface="+mn-ea"/>
+                <a:cs typeface="+mn-cs"/>
+                <a:sym typeface="Arial" pitchFamily="34" charset="0"/>
+              </a:rPr>
+              <a:t>创建apk真实的application</a:t>
+            </a:r>
+            <a:endParaRPr kumimoji="0" sz="1400" b="0" i="0" u="none" strike="noStrike" kern="1200" cap="none" spc="0" normalizeH="0" baseline="0" noProof="0" dirty="0">
+              <a:ln>
+                <a:noFill/>
+              </a:ln>
+              <a:solidFill>
+                <a:schemeClr val="bg1"/>
+              </a:solidFill>
+              <a:effectLst/>
+              <a:uLnTx/>
+              <a:uFillTx/>
+              <a:latin typeface="+mn-ea"/>
+              <a:ea typeface="+mn-ea"/>
+              <a:cs typeface="+mn-cs"/>
+              <a:sym typeface="Arial" pitchFamily="34" charset="0"/>
+            </a:endParaRPr>
+          </a:p>
+        </p:txBody>
+      </p:sp>
+      <p:sp>
+        <p:nvSpPr>
+          <p:cNvPr id="7" name="矩形 13"/>
+          <p:cNvSpPr>
+            <a:spLocks noChangeArrowheads="1"/>
+          </p:cNvSpPr>
+          <p:nvPr/>
+        </p:nvSpPr>
+        <p:spPr bwMode="auto">
+          <a:xfrm>
+            <a:off x="1214755" y="2141855"/>
+            <a:ext cx="6159500" cy="411480"/>
+          </a:xfrm>
+          <a:prstGeom prst="rect">
+            <a:avLst/>
+          </a:prstGeom>
+          <a:noFill/>
+          <a:ln>
+            <a:noFill/>
+          </a:ln>
+          <a:extLst>
+            <a:ext uri="{909E8E84-426E-40DD-AFC4-6F175D3DCCD1}">
+              <a14:hiddenFill xmlns:a14="http://schemas.microsoft.com/office/drawing/2010/main">
+                <a:solidFill>
+                  <a:srgbClr val="FFFFFF"/>
+                </a:solidFill>
+              </a14:hiddenFill>
+            </a:ext>
+            <a:ext uri="{91240B29-F687-4F45-9708-019B960494DF}">
+              <a14:hiddenLine xmlns:a14="http://schemas.microsoft.com/office/drawing/2010/main" w="9525">
+                <a:solidFill>
+                  <a:srgbClr val="000000"/>
+                </a:solidFill>
+                <a:miter lim="800000"/>
+                <a:headEnd/>
+                <a:tailEnd/>
+              </a14:hiddenLine>
+            </a:ext>
+          </a:extLst>
+        </p:spPr>
+        <p:txBody>
+          <a:bodyPr wrap="square">
+            <a:spAutoFit/>
+          </a:bodyPr>
+          <a:p>
+            <a:pPr marL="0" marR="0" lvl="0" indent="0" algn="ctr" defTabSz="683895" rtl="0" eaLnBrk="1" fontAlgn="auto" latinLnBrk="0" hangingPunct="1">
+              <a:lnSpc>
+                <a:spcPct val="150000"/>
+              </a:lnSpc>
+              <a:spcBef>
+                <a:spcPts val="0"/>
+              </a:spcBef>
+              <a:spcAft>
+                <a:spcPts val="0"/>
+              </a:spcAft>
+              <a:buClrTx/>
+              <a:buSzTx/>
+              <a:buFontTx/>
+              <a:buNone/>
+              <a:defRPr/>
+            </a:pPr>
+            <a:r>
+              <a:rPr kumimoji="0" lang="en-US" sz="1400" b="0" i="0" u="none" strike="noStrike" kern="1200" cap="none" spc="0" normalizeH="0" baseline="0" noProof="0" dirty="0">
+                <a:ln>
+                  <a:noFill/>
+                </a:ln>
+                <a:solidFill>
+                  <a:schemeClr val="bg1"/>
+                </a:solidFill>
+                <a:effectLst/>
+                <a:uLnTx/>
+                <a:uFillTx/>
+                <a:latin typeface="+mn-ea"/>
+                <a:ea typeface="+mn-ea"/>
+                <a:cs typeface="+mn-cs"/>
+                <a:sym typeface="Arial" pitchFamily="34" charset="0"/>
+              </a:rPr>
+              <a:t>4.</a:t>
+            </a:r>
+            <a:r>
+              <a:rPr kumimoji="0" sz="1400" b="0" i="0" u="none" strike="noStrike" kern="1200" cap="none" spc="0" normalizeH="0" baseline="0" noProof="0" dirty="0">
+                <a:ln>
+                  <a:noFill/>
+                </a:ln>
+                <a:solidFill>
+                  <a:schemeClr val="bg1"/>
+                </a:solidFill>
+                <a:effectLst/>
+                <a:uLnTx/>
+                <a:uFillTx/>
+                <a:latin typeface="+mn-ea"/>
+                <a:ea typeface="+mn-ea"/>
+                <a:cs typeface="+mn-cs"/>
+                <a:sym typeface="Arial" pitchFamily="34" charset="0"/>
+              </a:rPr>
+              <a:t>反射替换ActivityThread中的各种Application成员变量</a:t>
+            </a:r>
+            <a:endParaRPr kumimoji="0" sz="1400" b="0" i="0" u="none" strike="noStrike" kern="1200" cap="none" spc="0" normalizeH="0" baseline="0" noProof="0" dirty="0">
+              <a:ln>
+                <a:noFill/>
+              </a:ln>
+              <a:solidFill>
+                <a:schemeClr val="bg1"/>
+              </a:solidFill>
+              <a:effectLst/>
+              <a:uLnTx/>
+              <a:uFillTx/>
+              <a:latin typeface="+mn-ea"/>
+              <a:ea typeface="+mn-ea"/>
+              <a:cs typeface="+mn-cs"/>
+              <a:sym typeface="Arial" pitchFamily="34" charset="0"/>
+            </a:endParaRPr>
+          </a:p>
+        </p:txBody>
+      </p:sp>
+      <p:sp>
+        <p:nvSpPr>
+          <p:cNvPr id="8" name="矩形 13"/>
+          <p:cNvSpPr>
+            <a:spLocks noChangeArrowheads="1"/>
+          </p:cNvSpPr>
+          <p:nvPr/>
+        </p:nvSpPr>
+        <p:spPr bwMode="auto">
+          <a:xfrm>
+            <a:off x="653415" y="2668905"/>
+            <a:ext cx="6159500" cy="411480"/>
+          </a:xfrm>
+          <a:prstGeom prst="rect">
+            <a:avLst/>
+          </a:prstGeom>
+          <a:noFill/>
+          <a:ln>
+            <a:noFill/>
+          </a:ln>
+          <a:extLst>
+            <a:ext uri="{909E8E84-426E-40DD-AFC4-6F175D3DCCD1}">
+              <a14:hiddenFill xmlns:a14="http://schemas.microsoft.com/office/drawing/2010/main">
+                <a:solidFill>
+                  <a:srgbClr val="FFFFFF"/>
+                </a:solidFill>
+              </a14:hiddenFill>
+            </a:ext>
+            <a:ext uri="{91240B29-F687-4F45-9708-019B960494DF}">
+              <a14:hiddenLine xmlns:a14="http://schemas.microsoft.com/office/drawing/2010/main" w="9525">
+                <a:solidFill>
+                  <a:srgbClr val="000000"/>
+                </a:solidFill>
+                <a:miter lim="800000"/>
+                <a:headEnd/>
+                <a:tailEnd/>
+              </a14:hiddenLine>
+            </a:ext>
+          </a:extLst>
+        </p:spPr>
+        <p:txBody>
+          <a:bodyPr wrap="square">
+            <a:spAutoFit/>
+          </a:bodyPr>
+          <a:p>
+            <a:pPr marL="0" marR="0" lvl="0" indent="0" algn="ctr" defTabSz="683895" rtl="0" eaLnBrk="1" fontAlgn="auto" latinLnBrk="0" hangingPunct="1">
+              <a:lnSpc>
+                <a:spcPct val="150000"/>
+              </a:lnSpc>
+              <a:spcBef>
+                <a:spcPts val="0"/>
+              </a:spcBef>
+              <a:spcAft>
+                <a:spcPts val="0"/>
+              </a:spcAft>
+              <a:buClrTx/>
+              <a:buSzTx/>
+              <a:buFontTx/>
+              <a:buNone/>
+              <a:defRPr/>
+            </a:pPr>
+            <a:r>
+              <a:rPr kumimoji="0" lang="en-US" sz="1400" b="0" i="0" u="none" strike="noStrike" kern="1200" cap="none" spc="0" normalizeH="0" baseline="0" noProof="0" dirty="0">
+                <a:ln>
+                  <a:noFill/>
+                </a:ln>
+                <a:solidFill>
+                  <a:schemeClr val="bg1"/>
+                </a:solidFill>
+                <a:effectLst/>
+                <a:uLnTx/>
+                <a:uFillTx/>
+                <a:latin typeface="+mn-ea"/>
+                <a:ea typeface="+mn-ea"/>
+                <a:cs typeface="+mn-cs"/>
+                <a:sym typeface="Arial" pitchFamily="34" charset="0"/>
+              </a:rPr>
+              <a:t>5.反射替换所有存在的AssetManager对象</a:t>
+            </a:r>
+            <a:endParaRPr kumimoji="0" lang="en-US" sz="1400" b="0" i="0" u="none" strike="noStrike" kern="1200" cap="none" spc="0" normalizeH="0" baseline="0" noProof="0" dirty="0">
+              <a:ln>
+                <a:noFill/>
+              </a:ln>
+              <a:solidFill>
+                <a:schemeClr val="bg1"/>
+              </a:solidFill>
+              <a:effectLst/>
+              <a:uLnTx/>
+              <a:uFillTx/>
+              <a:latin typeface="+mn-ea"/>
+              <a:ea typeface="+mn-ea"/>
+              <a:cs typeface="+mn-cs"/>
+              <a:sym typeface="Arial" pitchFamily="34" charset="0"/>
+            </a:endParaRPr>
+          </a:p>
+        </p:txBody>
+      </p:sp>
+      <p:sp>
+        <p:nvSpPr>
+          <p:cNvPr id="9" name="矩形 13"/>
+          <p:cNvSpPr>
+            <a:spLocks noChangeArrowheads="1"/>
+          </p:cNvSpPr>
+          <p:nvPr/>
+        </p:nvSpPr>
+        <p:spPr bwMode="auto">
+          <a:xfrm>
+            <a:off x="500380" y="3291840"/>
+            <a:ext cx="6159500" cy="411480"/>
+          </a:xfrm>
+          <a:prstGeom prst="rect">
+            <a:avLst/>
+          </a:prstGeom>
+          <a:noFill/>
+          <a:ln>
+            <a:noFill/>
+          </a:ln>
+          <a:extLst>
+            <a:ext uri="{909E8E84-426E-40DD-AFC4-6F175D3DCCD1}">
+              <a14:hiddenFill xmlns:a14="http://schemas.microsoft.com/office/drawing/2010/main">
+                <a:solidFill>
+                  <a:srgbClr val="FFFFFF"/>
+                </a:solidFill>
+              </a14:hiddenFill>
+            </a:ext>
+            <a:ext uri="{91240B29-F687-4F45-9708-019B960494DF}">
+              <a14:hiddenLine xmlns:a14="http://schemas.microsoft.com/office/drawing/2010/main" w="9525">
+                <a:solidFill>
+                  <a:srgbClr val="000000"/>
+                </a:solidFill>
+                <a:miter lim="800000"/>
+                <a:headEnd/>
+                <a:tailEnd/>
+              </a14:hiddenLine>
+            </a:ext>
+          </a:extLst>
+        </p:spPr>
+        <p:txBody>
+          <a:bodyPr wrap="square">
+            <a:spAutoFit/>
+          </a:bodyPr>
+          <a:p>
+            <a:pPr marL="0" marR="0" lvl="0" indent="0" algn="ctr" defTabSz="683895" rtl="0" eaLnBrk="1" fontAlgn="auto" latinLnBrk="0" hangingPunct="1">
+              <a:lnSpc>
+                <a:spcPct val="150000"/>
+              </a:lnSpc>
+              <a:spcBef>
+                <a:spcPts val="0"/>
+              </a:spcBef>
+              <a:spcAft>
+                <a:spcPts val="0"/>
+              </a:spcAft>
+              <a:buClrTx/>
+              <a:buSzTx/>
+              <a:buFontTx/>
+              <a:buNone/>
+              <a:defRPr/>
+            </a:pPr>
+            <a:r>
+              <a:rPr kumimoji="0" lang="en-US" sz="1400" b="0" i="0" u="none" strike="noStrike" kern="1200" cap="none" spc="0" normalizeH="0" baseline="0" noProof="0" dirty="0">
+                <a:ln>
+                  <a:noFill/>
+                </a:ln>
+                <a:solidFill>
+                  <a:schemeClr val="bg1"/>
+                </a:solidFill>
+                <a:effectLst/>
+                <a:uLnTx/>
+                <a:uFillTx/>
+                <a:latin typeface="+mn-ea"/>
+                <a:ea typeface="+mn-ea"/>
+                <a:cs typeface="+mn-cs"/>
+                <a:sym typeface="Arial" pitchFamily="34" charset="0"/>
+              </a:rPr>
+              <a:t>6.调用realApplication的onCreate方法</a:t>
+            </a:r>
+            <a:endParaRPr kumimoji="0" lang="en-US" sz="1400" b="0" i="0" u="none" strike="noStrike" kern="1200" cap="none" spc="0" normalizeH="0" baseline="0" noProof="0" dirty="0">
+              <a:ln>
+                <a:noFill/>
+              </a:ln>
+              <a:solidFill>
+                <a:schemeClr val="bg1"/>
+              </a:solidFill>
+              <a:effectLst/>
+              <a:uLnTx/>
+              <a:uFillTx/>
+              <a:latin typeface="+mn-ea"/>
+              <a:ea typeface="+mn-ea"/>
+              <a:cs typeface="+mn-cs"/>
+              <a:sym typeface="Arial" pitchFamily="34" charset="0"/>
+            </a:endParaRPr>
+          </a:p>
+        </p:txBody>
+      </p:sp>
+      <p:sp>
+        <p:nvSpPr>
+          <p:cNvPr id="10" name="矩形 13"/>
+          <p:cNvSpPr>
+            <a:spLocks noChangeArrowheads="1"/>
+          </p:cNvSpPr>
+          <p:nvPr/>
+        </p:nvSpPr>
+        <p:spPr bwMode="auto">
+          <a:xfrm>
+            <a:off x="468630" y="3948430"/>
+            <a:ext cx="6159500" cy="411480"/>
+          </a:xfrm>
+          <a:prstGeom prst="rect">
+            <a:avLst/>
+          </a:prstGeom>
+          <a:noFill/>
+          <a:ln>
+            <a:noFill/>
+          </a:ln>
+          <a:extLst>
+            <a:ext uri="{909E8E84-426E-40DD-AFC4-6F175D3DCCD1}">
+              <a14:hiddenFill xmlns:a14="http://schemas.microsoft.com/office/drawing/2010/main">
+                <a:solidFill>
+                  <a:srgbClr val="FFFFFF"/>
+                </a:solidFill>
+              </a14:hiddenFill>
+            </a:ext>
+            <a:ext uri="{91240B29-F687-4F45-9708-019B960494DF}">
+              <a14:hiddenLine xmlns:a14="http://schemas.microsoft.com/office/drawing/2010/main" w="9525">
+                <a:solidFill>
+                  <a:srgbClr val="000000"/>
+                </a:solidFill>
+                <a:miter lim="800000"/>
+                <a:headEnd/>
+                <a:tailEnd/>
+              </a14:hiddenLine>
+            </a:ext>
+          </a:extLst>
+        </p:spPr>
+        <p:txBody>
+          <a:bodyPr wrap="square">
+            <a:spAutoFit/>
+          </a:bodyPr>
+          <a:p>
+            <a:pPr marL="0" marR="0" lvl="0" indent="0" algn="ctr" defTabSz="683895" rtl="0" eaLnBrk="1" fontAlgn="auto" latinLnBrk="0" hangingPunct="1">
+              <a:lnSpc>
+                <a:spcPct val="150000"/>
+              </a:lnSpc>
+              <a:spcBef>
+                <a:spcPts val="0"/>
+              </a:spcBef>
+              <a:spcAft>
+                <a:spcPts val="0"/>
+              </a:spcAft>
+              <a:buClrTx/>
+              <a:buSzTx/>
+              <a:buFontTx/>
+              <a:buNone/>
+              <a:defRPr/>
+            </a:pPr>
+            <a:r>
+              <a:rPr kumimoji="0" lang="en-US" sz="1400" b="0" i="0" u="none" strike="noStrike" kern="1200" cap="none" spc="0" normalizeH="0" baseline="0" noProof="0" dirty="0">
+                <a:ln>
+                  <a:noFill/>
+                </a:ln>
+                <a:solidFill>
+                  <a:schemeClr val="bg1"/>
+                </a:solidFill>
+                <a:effectLst/>
+                <a:uLnTx/>
+                <a:uFillTx/>
+                <a:latin typeface="+mn-ea"/>
+                <a:ea typeface="+mn-ea"/>
+                <a:cs typeface="+mn-cs"/>
+                <a:sym typeface="Arial" pitchFamily="34" charset="0"/>
+              </a:rPr>
+              <a:t>7.启动Server，Socket接收patch列表</a:t>
+            </a:r>
+            <a:endParaRPr kumimoji="0" lang="en-US" sz="1400" b="0" i="0" u="none" strike="noStrike" kern="1200" cap="none" spc="0" normalizeH="0" baseline="0" noProof="0" dirty="0">
+              <a:ln>
+                <a:noFill/>
+              </a:ln>
+              <a:solidFill>
+                <a:schemeClr val="bg1"/>
+              </a:solidFill>
+              <a:effectLst/>
+              <a:uLnTx/>
+              <a:uFillTx/>
+              <a:latin typeface="+mn-ea"/>
+              <a:ea typeface="+mn-ea"/>
+              <a:cs typeface="+mn-cs"/>
+              <a:sym typeface="Arial" pitchFamily="34" charset="0"/>
+            </a:endParaRPr>
+          </a:p>
+        </p:txBody>
+      </p:sp>
     </p:spTree>
   </p:cSld>
   <p:clrMapOvr>

--- a/show/分享.pptx
+++ b/show/分享.pptx
@@ -20,31 +20,30 @@
     <p:sldId id="413" r:id="rId13"/>
     <p:sldId id="418" r:id="rId14"/>
     <p:sldId id="415" r:id="rId15"/>
-    <p:sldId id="422" r:id="rId16"/>
-    <p:sldId id="349" r:id="rId17"/>
+    <p:sldId id="349" r:id="rId16"/>
   </p:sldIdLst>
   <p:sldSz cx="9144000" cy="5143500"/>
   <p:notesSz cx="6858000" cy="9144000"/>
   <p:embeddedFontLst>
     <p:embeddedFont>
       <p:font typeface="方正兰亭细黑_GBK" pitchFamily="2" charset="-122"/>
+      <p:regular r:id="rId20"/>
+    </p:embeddedFont>
+    <p:embeddedFont>
+      <p:font typeface="方正兰亭黑简体" pitchFamily="2" charset="-122"/>
       <p:regular r:id="rId21"/>
     </p:embeddedFont>
     <p:embeddedFont>
-      <p:font typeface="方正兰亭黑简体" pitchFamily="2" charset="-122"/>
+      <p:font typeface="Calibri" pitchFamily="34" charset="0"/>
       <p:regular r:id="rId22"/>
     </p:embeddedFont>
     <p:embeddedFont>
-      <p:font typeface="Calibri" pitchFamily="34" charset="0"/>
+      <p:font typeface="Segoe UI Semilight" pitchFamily="34" charset="0"/>
       <p:regular r:id="rId23"/>
     </p:embeddedFont>
     <p:embeddedFont>
-      <p:font typeface="Segoe UI Semilight" pitchFamily="34" charset="0"/>
+      <p:font typeface="方正兰亭细黑_GBK" charset="0"/>
       <p:regular r:id="rId24"/>
-    </p:embeddedFont>
-    <p:embeddedFont>
-      <p:font typeface="方正兰亭细黑_GBK" charset="0"/>
-      <p:regular r:id="rId25"/>
     </p:embeddedFont>
   </p:embeddedFontLst>
   <p:defaultTextStyle>
@@ -4423,388 +4422,6 @@
       <p:grpSpPr/>
       <p:sp>
         <p:nvSpPr>
-          <p:cNvPr id="8" name="矩形 13"/>
-          <p:cNvSpPr>
-            <a:spLocks noChangeArrowheads="1"/>
-          </p:cNvSpPr>
-          <p:nvPr/>
-        </p:nvSpPr>
-        <p:spPr bwMode="auto">
-          <a:xfrm>
-            <a:off x="-654685" y="1996440"/>
-            <a:ext cx="11162665" cy="822960"/>
-          </a:xfrm>
-          <a:prstGeom prst="rect">
-            <a:avLst/>
-          </a:prstGeom>
-          <a:noFill/>
-          <a:ln>
-            <a:noFill/>
-          </a:ln>
-          <a:extLst>
-            <a:ext uri="{909E8E84-426E-40DD-AFC4-6F175D3DCCD1}">
-              <a14:hiddenFill xmlns:a14="http://schemas.microsoft.com/office/drawing/2010/main">
-                <a:solidFill>
-                  <a:srgbClr val="FFFFFF"/>
-                </a:solidFill>
-              </a14:hiddenFill>
-            </a:ext>
-            <a:ext uri="{91240B29-F687-4F45-9708-019B960494DF}">
-              <a14:hiddenLine xmlns:a14="http://schemas.microsoft.com/office/drawing/2010/main" w="9525">
-                <a:solidFill>
-                  <a:srgbClr val="000000"/>
-                </a:solidFill>
-                <a:miter lim="800000"/>
-                <a:headEnd/>
-                <a:tailEnd/>
-              </a14:hiddenLine>
-            </a:ext>
-          </a:extLst>
-        </p:spPr>
-        <p:txBody>
-          <a:bodyPr wrap="square">
-            <a:spAutoFit/>
-          </a:bodyPr>
-          <a:p>
-            <a:pPr marL="0" marR="0" lvl="0" indent="0" algn="ctr" defTabSz="683895" rtl="0" eaLnBrk="1" fontAlgn="auto" latinLnBrk="0" hangingPunct="1">
-              <a:lnSpc>
-                <a:spcPct val="150000"/>
-              </a:lnSpc>
-              <a:spcBef>
-                <a:spcPts val="0"/>
-              </a:spcBef>
-              <a:spcAft>
-                <a:spcPts val="0"/>
-              </a:spcAft>
-              <a:buClrTx/>
-              <a:buSzTx/>
-              <a:buFontTx/>
-              <a:buNone/>
-              <a:defRPr/>
-            </a:pPr>
-            <a:r>
-              <a:rPr kumimoji="0" lang="zh-CN" sz="3200" b="0" i="0" u="none" strike="noStrike" kern="1200" cap="none" spc="0" normalizeH="0" baseline="0" noProof="0" dirty="0">
-                <a:ln>
-                  <a:noFill/>
-                </a:ln>
-                <a:solidFill>
-                  <a:schemeClr val="bg1"/>
-                </a:solidFill>
-                <a:effectLst/>
-                <a:uLnTx/>
-                <a:uFillTx/>
-                <a:latin typeface="+mn-ea"/>
-                <a:ea typeface="+mn-ea"/>
-                <a:cs typeface="+mn-cs"/>
-                <a:sym typeface="Arial" pitchFamily="34" charset="0"/>
-              </a:rPr>
-              <a:t>你会觉得</a:t>
-            </a:r>
-            <a:r>
-              <a:rPr kumimoji="0" lang="en-US" altLang="zh-CN" sz="3200" b="0" i="0" u="none" strike="noStrike" kern="1200" cap="none" spc="0" normalizeH="0" baseline="0" noProof="0" dirty="0">
-                <a:ln>
-                  <a:noFill/>
-                </a:ln>
-                <a:solidFill>
-                  <a:schemeClr val="bg1"/>
-                </a:solidFill>
-                <a:effectLst/>
-                <a:uLnTx/>
-                <a:uFillTx/>
-                <a:latin typeface="+mn-ea"/>
-                <a:ea typeface="+mn-ea"/>
-                <a:cs typeface="+mn-cs"/>
-                <a:sym typeface="Arial" pitchFamily="34" charset="0"/>
-              </a:rPr>
-              <a:t>Android Studio</a:t>
-            </a:r>
-            <a:r>
-              <a:rPr kumimoji="0" lang="zh-CN" altLang="en-US" sz="3200" b="0" i="0" u="none" strike="noStrike" kern="1200" cap="none" spc="0" normalizeH="0" baseline="0" noProof="0" dirty="0">
-                <a:ln>
-                  <a:noFill/>
-                </a:ln>
-                <a:solidFill>
-                  <a:schemeClr val="bg1"/>
-                </a:solidFill>
-                <a:effectLst/>
-                <a:uLnTx/>
-                <a:uFillTx/>
-                <a:latin typeface="+mn-ea"/>
-                <a:ea typeface="+mn-ea"/>
-                <a:cs typeface="+mn-cs"/>
-                <a:sym typeface="Arial" pitchFamily="34" charset="0"/>
-              </a:rPr>
-              <a:t>才是最好的老师！</a:t>
-            </a:r>
-            <a:endParaRPr kumimoji="0" lang="zh-CN" altLang="en-US" sz="3200" b="0" i="0" u="none" strike="noStrike" kern="1200" cap="none" spc="0" normalizeH="0" baseline="0" noProof="0" dirty="0">
-              <a:ln>
-                <a:noFill/>
-              </a:ln>
-              <a:solidFill>
-                <a:schemeClr val="bg1"/>
-              </a:solidFill>
-              <a:effectLst/>
-              <a:uLnTx/>
-              <a:uFillTx/>
-              <a:latin typeface="+mn-ea"/>
-              <a:ea typeface="+mn-ea"/>
-              <a:cs typeface="+mn-cs"/>
-              <a:sym typeface="Arial" pitchFamily="34" charset="0"/>
-            </a:endParaRPr>
-          </a:p>
-        </p:txBody>
-      </p:sp>
-    </p:spTree>
-  </p:cSld>
-  <p:clrMapOvr>
-    <a:masterClrMapping/>
-  </p:clrMapOvr>
-  <mc:AlternateContent xmlns:mc="http://schemas.openxmlformats.org/markup-compatibility/2006">
-    <mc:Choice xmlns:p14="http://schemas.microsoft.com/office/powerpoint/2010/main" Requires="p14">
-      <p:transition spd="med" p14:dur="750">
-        <p:fade/>
-      </p:transition>
-    </mc:Choice>
-    <mc:Fallback>
-      <p:transition spd="med">
-        <p:fade/>
-      </p:transition>
-    </mc:Fallback>
-  </mc:AlternateContent>
-  <p:timing>
-    <p:tnLst>
-      <p:par>
-        <p:cTn id="1" dur="indefinite" restart="never" nodeType="tmRoot">
-          <p:childTnLst>
-            <p:seq concurrent="1" nextAc="seek">
-              <p:cTn id="2" dur="indefinite" nodeType="mainSeq">
-                <p:childTnLst>
-                  <p:par>
-                    <p:cTn id="3" fill="hold">
-                      <p:stCondLst>
-                        <p:cond delay="indefinite"/>
-                      </p:stCondLst>
-                      <p:childTnLst>
-                        <p:par>
-                          <p:cTn id="4" fill="hold">
-                            <p:stCondLst>
-                              <p:cond delay="0"/>
-                            </p:stCondLst>
-                            <p:childTnLst>
-                              <p:par>
-                                <p:cTn id="5" presetID="2" presetClass="entr" presetSubtype="4" fill="hold" grpId="0" nodeType="clickEffect">
-                                  <p:stCondLst>
-                                    <p:cond delay="0"/>
-                                  </p:stCondLst>
-                                  <p:childTnLst>
-                                    <p:set>
-                                      <p:cBhvr>
-                                        <p:cTn id="6" dur="1" fill="hold">
-                                          <p:stCondLst>
-                                            <p:cond delay="0"/>
-                                          </p:stCondLst>
-                                        </p:cTn>
-                                        <p:tgtEl>
-                                          <p:spTgt spid="8"/>
-                                        </p:tgtEl>
-                                        <p:attrNameLst>
-                                          <p:attrName>style.visibility</p:attrName>
-                                        </p:attrNameLst>
-                                      </p:cBhvr>
-                                      <p:to>
-                                        <p:strVal val="visible"/>
-                                      </p:to>
-                                    </p:set>
-                                    <p:anim calcmode="lin" valueType="num">
-                                      <p:cBhvr additive="base">
-                                        <p:cTn id="7" dur="500" fill="hold"/>
-                                        <p:tgtEl>
-                                          <p:spTgt spid="8"/>
-                                        </p:tgtEl>
-                                        <p:attrNameLst>
-                                          <p:attrName>ppt_x</p:attrName>
-                                        </p:attrNameLst>
-                                      </p:cBhvr>
-                                      <p:tavLst>
-                                        <p:tav tm="0">
-                                          <p:val>
-                                            <p:strVal val="#ppt_x"/>
-                                          </p:val>
-                                        </p:tav>
-                                        <p:tav tm="100000">
-                                          <p:val>
-                                            <p:strVal val="#ppt_x"/>
-                                          </p:val>
-                                        </p:tav>
-                                      </p:tavLst>
-                                    </p:anim>
-                                    <p:anim calcmode="lin" valueType="num">
-                                      <p:cBhvr additive="base">
-                                        <p:cTn id="8" dur="500" fill="hold"/>
-                                        <p:tgtEl>
-                                          <p:spTgt spid="8"/>
-                                        </p:tgtEl>
-                                        <p:attrNameLst>
-                                          <p:attrName>ppt_y</p:attrName>
-                                        </p:attrNameLst>
-                                      </p:cBhvr>
-                                      <p:tavLst>
-                                        <p:tav tm="0">
-                                          <p:val>
-                                            <p:strVal val="1+#ppt_h/2"/>
-                                          </p:val>
-                                        </p:tav>
-                                        <p:tav tm="100000">
-                                          <p:val>
-                                            <p:strVal val="#ppt_y"/>
-                                          </p:val>
-                                        </p:tav>
-                                      </p:tavLst>
-                                    </p:anim>
-                                  </p:childTnLst>
-                                </p:cTn>
-                              </p:par>
-                            </p:childTnLst>
-                          </p:cTn>
-                        </p:par>
-                      </p:childTnLst>
-                    </p:cTn>
-                  </p:par>
-                  <p:par>
-                    <p:cTn id="9" fill="hold">
-                      <p:stCondLst>
-                        <p:cond delay="indefinite"/>
-                      </p:stCondLst>
-                      <p:childTnLst>
-                        <p:par>
-                          <p:cTn id="10" fill="hold">
-                            <p:stCondLst>
-                              <p:cond delay="0"/>
-                            </p:stCondLst>
-                            <p:childTnLst>
-                              <p:par>
-                                <p:cTn id="11" presetID="3" presetClass="entr" presetSubtype="10" fill="hold" grpId="1" nodeType="clickEffect">
-                                  <p:stCondLst>
-                                    <p:cond delay="0"/>
-                                  </p:stCondLst>
-                                  <p:childTnLst>
-                                    <p:set>
-                                      <p:cBhvr>
-                                        <p:cTn id="12" dur="1" fill="hold">
-                                          <p:stCondLst>
-                                            <p:cond delay="0"/>
-                                          </p:stCondLst>
-                                        </p:cTn>
-                                        <p:tgtEl>
-                                          <p:spTgt spid="8"/>
-                                        </p:tgtEl>
-                                        <p:attrNameLst>
-                                          <p:attrName>style.visibility</p:attrName>
-                                        </p:attrNameLst>
-                                      </p:cBhvr>
-                                      <p:to>
-                                        <p:strVal val="visible"/>
-                                      </p:to>
-                                    </p:set>
-                                    <p:animEffect transition="in" filter="blinds(horizontal)">
-                                      <p:cBhvr>
-                                        <p:cTn id="13" dur="500"/>
-                                        <p:tgtEl>
-                                          <p:spTgt spid="8"/>
-                                        </p:tgtEl>
-                                      </p:cBhvr>
-                                    </p:animEffect>
-                                  </p:childTnLst>
-                                </p:cTn>
-                              </p:par>
-                            </p:childTnLst>
-                          </p:cTn>
-                        </p:par>
-                      </p:childTnLst>
-                    </p:cTn>
-                  </p:par>
-                  <p:par>
-                    <p:cTn id="14" fill="hold">
-                      <p:stCondLst>
-                        <p:cond delay="indefinite"/>
-                      </p:stCondLst>
-                      <p:childTnLst>
-                        <p:par>
-                          <p:cTn id="15" fill="hold">
-                            <p:stCondLst>
-                              <p:cond delay="0"/>
-                            </p:stCondLst>
-                            <p:childTnLst>
-                              <p:par>
-                                <p:cTn id="16" presetID="6" presetClass="emph" presetSubtype="0" fill="hold" grpId="2" nodeType="clickEffect">
-                                  <p:stCondLst>
-                                    <p:cond delay="0"/>
-                                  </p:stCondLst>
-                                  <p:childTnLst>
-                                    <p:animScale>
-                                      <p:cBhvr>
-                                        <p:cTn id="17" dur="2000" fill="hold"/>
-                                        <p:tgtEl>
-                                          <p:spTgt spid="8"/>
-                                        </p:tgtEl>
-                                      </p:cBhvr>
-                                      <p:by x="50000" y="50000"/>
-                                    </p:animScale>
-                                  </p:childTnLst>
-                                </p:cTn>
-                              </p:par>
-                            </p:childTnLst>
-                          </p:cTn>
-                        </p:par>
-                      </p:childTnLst>
-                    </p:cTn>
-                  </p:par>
-                </p:childTnLst>
-              </p:cTn>
-              <p:prevCondLst>
-                <p:cond evt="onPrev" delay="0">
-                  <p:tgtEl>
-                    <p:sldTgt/>
-                  </p:tgtEl>
-                </p:cond>
-              </p:prevCondLst>
-              <p:nextCondLst>
-                <p:cond evt="onNext" delay="0">
-                  <p:tgtEl>
-                    <p:sldTgt/>
-                  </p:tgtEl>
-                </p:cond>
-              </p:nextCondLst>
-            </p:seq>
-          </p:childTnLst>
-        </p:cTn>
-      </p:par>
-    </p:tnLst>
-    <p:bldLst>
-      <p:bldP spid="8" grpId="0"/>
-      <p:bldP spid="8" grpId="1"/>
-      <p:bldP spid="8" grpId="2"/>
-      <p:bldP spid="8" grpId="3"/>
-      <p:bldP spid="8" grpId="4"/>
-      <p:bldP spid="8" grpId="5"/>
-      <p:bldP spid="8" grpId="6"/>
-    </p:bldLst>
-  </p:timing>
-</p:sld>
-</file>
-
-<file path=ppt/slides/slide14.xml><?xml version="1.0" encoding="utf-8"?>
-<p:sld xmlns:a="http://schemas.openxmlformats.org/drawingml/2006/main" xmlns:r="http://schemas.openxmlformats.org/officeDocument/2006/relationships" xmlns:p="http://schemas.openxmlformats.org/presentationml/2006/main">
-  <p:cSld>
-    <p:spTree>
-      <p:nvGrpSpPr>
-        <p:cNvPr id="1" name=""/>
-        <p:cNvGrpSpPr/>
-        <p:nvPr/>
-      </p:nvGrpSpPr>
-      <p:grpSpPr/>
-      <p:sp>
-        <p:nvSpPr>
           <p:cNvPr id="54" name="文本框 53"/>
           <p:cNvSpPr txBox="1"/>
           <p:nvPr/>
@@ -4856,9 +4473,9 @@
                 <a:ea typeface="方正兰亭黑简体" pitchFamily="2" charset="-122"/>
                 <a:cs typeface="+mn-cs"/>
               </a:rPr>
-              <a:t>感谢您的倾听！</a:t>
+              <a:t>希望英才越来越好！</a:t>
             </a:r>
-            <a:endParaRPr kumimoji="0" lang="zh-CN" altLang="en-US" sz="4950" b="0" i="0" u="none" strike="noStrike" kern="1200" cap="none" spc="0" normalizeH="0" baseline="0" noProof="0" dirty="0">
+            <a:endParaRPr kumimoji="0" lang="zh-CN" altLang="en-US" sz="4950" b="0" i="0" u="none" strike="noStrike" kern="1200" cap="none" spc="0" normalizeH="0" baseline="0" noProof="0" dirty="0" smtClean="0">
               <a:ln>
                 <a:noFill/>
               </a:ln>
@@ -16741,7 +16358,7 @@
                   <a:cs typeface="Open Sans Light" pitchFamily="34" charset="0"/>
                   <a:sym typeface="+mn-ea"/>
                 </a:rPr>
-                <a:t>/data/app-lib/包名</a:t>
+                <a:t>/data/</a:t>
               </a:r>
               <a:r>
                 <a:rPr lang="en-US" altLang="zh-CN" sz="900" b="1" noProof="0" dirty="0">
@@ -16758,7 +16375,41 @@
                   <a:cs typeface="Open Sans Light" pitchFamily="34" charset="0"/>
                   <a:sym typeface="+mn-ea"/>
                 </a:rPr>
-                <a:t>-2</a:t>
+                <a:t>data/</a:t>
+              </a:r>
+              <a:r>
+                <a:rPr lang="zh-CN" altLang="en-US" sz="900" b="1" noProof="0" dirty="0">
+                  <a:ln>
+                    <a:noFill/>
+                  </a:ln>
+                  <a:solidFill>
+                    <a:srgbClr val="FF0000"/>
+                  </a:solidFill>
+                  <a:uLnTx/>
+                  <a:uFillTx/>
+                  <a:latin typeface="+mn-ea"/>
+                  <a:ea typeface="+mn-ea"/>
+                  <a:cs typeface="Open Sans Light" pitchFamily="34" charset="0"/>
+                  <a:sym typeface="+mn-ea"/>
+                </a:rPr>
+                <a:t>包名</a:t>
+              </a:r>
+              <a:r>
+                <a:rPr lang="en-US" altLang="zh-CN" sz="900" b="1" noProof="0" dirty="0">
+                  <a:ln>
+                    <a:noFill/>
+                  </a:ln>
+                  <a:solidFill>
+                    <a:srgbClr val="FF0000"/>
+                  </a:solidFill>
+                  <a:uLnTx/>
+                  <a:uFillTx/>
+                  <a:latin typeface="+mn-ea"/>
+                  <a:ea typeface="+mn-ea"/>
+                  <a:cs typeface="Open Sans Light" pitchFamily="34" charset="0"/>
+                  <a:sym typeface="+mn-ea"/>
+                </a:rPr>
+                <a:t>/lib</a:t>
               </a:r>
               <a:r>
                 <a:rPr kumimoji="0" lang="zh-CN" altLang="en-US" sz="900" b="0" i="0" u="none" strike="noStrike" kern="1200" cap="none" spc="0" normalizeH="0" baseline="0" noProof="0" dirty="0" smtClean="0">
